--- a/Mobile Price Prediction Using KNN Classifier.pptx
+++ b/Mobile Price Prediction Using KNN Classifier.pptx
@@ -216,7 +216,7 @@
           <a:p>
             <a:fld id="{6EBE8E58-E40A-4EF9-8556-C75A67A1CBFA}" type="datetimeFigureOut">
               <a:rPr lang="en-US" smtClean="0"/>
-              <a:t>7/5/2020</a:t>
+              <a:t>7/8/2020</a:t>
             </a:fld>
             <a:endParaRPr lang="en-US"/>
           </a:p>
@@ -665,7 +665,7 @@
           <a:p>
             <a:fld id="{2B32017F-DE1E-4FDE-A2B6-33D8FE50AA52}" type="datetimeFigureOut">
               <a:rPr lang="en-IN" smtClean="0"/>
-              <a:t>05-07-2020</a:t>
+              <a:t>08-07-2020</a:t>
             </a:fld>
             <a:endParaRPr lang="en-IN"/>
           </a:p>
@@ -835,7 +835,7 @@
           <a:p>
             <a:fld id="{2B32017F-DE1E-4FDE-A2B6-33D8FE50AA52}" type="datetimeFigureOut">
               <a:rPr lang="en-IN" smtClean="0"/>
-              <a:t>05-07-2020</a:t>
+              <a:t>08-07-2020</a:t>
             </a:fld>
             <a:endParaRPr lang="en-IN"/>
           </a:p>
@@ -1015,7 +1015,7 @@
           <a:p>
             <a:fld id="{2B32017F-DE1E-4FDE-A2B6-33D8FE50AA52}" type="datetimeFigureOut">
               <a:rPr lang="en-IN" smtClean="0"/>
-              <a:t>05-07-2020</a:t>
+              <a:t>08-07-2020</a:t>
             </a:fld>
             <a:endParaRPr lang="en-IN"/>
           </a:p>
@@ -1185,7 +1185,7 @@
           <a:p>
             <a:fld id="{2B32017F-DE1E-4FDE-A2B6-33D8FE50AA52}" type="datetimeFigureOut">
               <a:rPr lang="en-IN" smtClean="0"/>
-              <a:t>05-07-2020</a:t>
+              <a:t>08-07-2020</a:t>
             </a:fld>
             <a:endParaRPr lang="en-IN"/>
           </a:p>
@@ -1431,7 +1431,7 @@
           <a:p>
             <a:fld id="{2B32017F-DE1E-4FDE-A2B6-33D8FE50AA52}" type="datetimeFigureOut">
               <a:rPr lang="en-IN" smtClean="0"/>
-              <a:t>05-07-2020</a:t>
+              <a:t>08-07-2020</a:t>
             </a:fld>
             <a:endParaRPr lang="en-IN"/>
           </a:p>
@@ -1719,7 +1719,7 @@
           <a:p>
             <a:fld id="{2B32017F-DE1E-4FDE-A2B6-33D8FE50AA52}" type="datetimeFigureOut">
               <a:rPr lang="en-IN" smtClean="0"/>
-              <a:t>05-07-2020</a:t>
+              <a:t>08-07-2020</a:t>
             </a:fld>
             <a:endParaRPr lang="en-IN"/>
           </a:p>
@@ -2141,7 +2141,7 @@
           <a:p>
             <a:fld id="{2B32017F-DE1E-4FDE-A2B6-33D8FE50AA52}" type="datetimeFigureOut">
               <a:rPr lang="en-IN" smtClean="0"/>
-              <a:t>05-07-2020</a:t>
+              <a:t>08-07-2020</a:t>
             </a:fld>
             <a:endParaRPr lang="en-IN"/>
           </a:p>
@@ -2259,7 +2259,7 @@
           <a:p>
             <a:fld id="{2B32017F-DE1E-4FDE-A2B6-33D8FE50AA52}" type="datetimeFigureOut">
               <a:rPr lang="en-IN" smtClean="0"/>
-              <a:t>05-07-2020</a:t>
+              <a:t>08-07-2020</a:t>
             </a:fld>
             <a:endParaRPr lang="en-IN"/>
           </a:p>
@@ -2354,7 +2354,7 @@
           <a:p>
             <a:fld id="{2B32017F-DE1E-4FDE-A2B6-33D8FE50AA52}" type="datetimeFigureOut">
               <a:rPr lang="en-IN" smtClean="0"/>
-              <a:t>05-07-2020</a:t>
+              <a:t>08-07-2020</a:t>
             </a:fld>
             <a:endParaRPr lang="en-IN"/>
           </a:p>
@@ -2631,7 +2631,7 @@
           <a:p>
             <a:fld id="{2B32017F-DE1E-4FDE-A2B6-33D8FE50AA52}" type="datetimeFigureOut">
               <a:rPr lang="en-IN" smtClean="0"/>
-              <a:t>05-07-2020</a:t>
+              <a:t>08-07-2020</a:t>
             </a:fld>
             <a:endParaRPr lang="en-IN"/>
           </a:p>
@@ -2884,7 +2884,7 @@
           <a:p>
             <a:fld id="{2B32017F-DE1E-4FDE-A2B6-33D8FE50AA52}" type="datetimeFigureOut">
               <a:rPr lang="en-IN" smtClean="0"/>
-              <a:t>05-07-2020</a:t>
+              <a:t>08-07-2020</a:t>
             </a:fld>
             <a:endParaRPr lang="en-IN"/>
           </a:p>
@@ -3097,7 +3097,7 @@
           <a:p>
             <a:fld id="{2B32017F-DE1E-4FDE-A2B6-33D8FE50AA52}" type="datetimeFigureOut">
               <a:rPr lang="en-IN" smtClean="0"/>
-              <a:t>05-07-2020</a:t>
+              <a:t>08-07-2020</a:t>
             </a:fld>
             <a:endParaRPr lang="en-IN"/>
           </a:p>
@@ -3742,7 +3742,11 @@
           <a:p>
             <a:r>
               <a:rPr lang="en-IN" dirty="0" smtClean="0"/>
-              <a:t>3. EFFECTS OF FEATURES ON PRICE</a:t>
+              <a:t>EFFECTS </a:t>
+            </a:r>
+            <a:r>
+              <a:rPr lang="en-IN" dirty="0" smtClean="0"/>
+              <a:t>OF FEATURES ON PRICE</a:t>
             </a:r>
             <a:endParaRPr lang="en-IN" dirty="0"/>
           </a:p>
@@ -3763,12 +3767,20 @@
           <a:bodyPr/>
           <a:lstStyle/>
           <a:p>
-            <a:pPr marL="0" indent="0">
-              <a:buNone/>
-            </a:pPr>
             <a:r>
               <a:rPr lang="en-US" dirty="0"/>
-              <a:t>In this section, we try to find which feature has a significant effect on the price of a mobile. We find the average value of a feature in every price range and graph it, and then we try to see if the difference is significant or not. We also try to explain some ambiguous feature effects on price</a:t>
+              <a:t>In this section, we try to find which feature has a significant effect on the price of a mobile. We find the average value of a feature in every price range and graph it, and then we try to see if the difference is significant or not. </a:t>
+            </a:r>
+            <a:endParaRPr lang="en-US" dirty="0" smtClean="0"/>
+          </a:p>
+          <a:p>
+            <a:r>
+              <a:rPr lang="en-US" dirty="0" smtClean="0"/>
+              <a:t>We </a:t>
+            </a:r>
+            <a:r>
+              <a:rPr lang="en-US" dirty="0"/>
+              <a:t>also try to explain some ambiguous feature effects on price</a:t>
             </a:r>
             <a:endParaRPr lang="en-IN" dirty="0"/>
           </a:p>
@@ -3827,10 +3839,14 @@
           <a:lstStyle/>
           <a:p>
             <a:r>
-              <a:rPr lang="en-US" sz="2900" dirty="0" smtClean="0"/>
-              <a:t>3.1. PERCENTAGE OF 4G PHONES IN EACH PRICE RANGE</a:t>
-            </a:r>
-            <a:endParaRPr lang="en-IN" sz="2900" dirty="0"/>
+              <a:rPr lang="en-US" sz="4400" dirty="0" smtClean="0"/>
+              <a:t>PERCENTAGE </a:t>
+            </a:r>
+            <a:r>
+              <a:rPr lang="en-US" sz="4400" dirty="0" smtClean="0"/>
+              <a:t>OF 4G PHONES IN EACH PRICE RANGE</a:t>
+            </a:r>
+            <a:endParaRPr lang="en-IN" sz="4400" dirty="0"/>
           </a:p>
         </p:txBody>
       </p:sp>
@@ -3846,40 +3862,38 @@
         </p:nvSpPr>
         <p:spPr/>
         <p:txBody>
-          <a:bodyPr/>
+          <a:bodyPr>
+            <a:noAutofit/>
+          </a:bodyPr>
           <a:lstStyle/>
           <a:p>
-            <a:r>
-              <a:rPr lang="en-US" dirty="0"/>
-              <a:t>Since phones that support 4G require better hardware, it makes sense for phones with 4G support to be more expensive than other phones. We find the percentage of 4G phones in each price range using shape() from pandas and </a:t>
-            </a:r>
-            <a:r>
-              <a:rPr lang="en-US" dirty="0" err="1"/>
-              <a:t>barh</a:t>
-            </a:r>
-            <a:r>
-              <a:rPr lang="en-US" dirty="0"/>
-              <a:t>() from </a:t>
-            </a:r>
-            <a:r>
-              <a:rPr lang="en-US" dirty="0" err="1"/>
-              <a:t>matplotlib</a:t>
-            </a:r>
-            <a:r>
-              <a:rPr lang="en-US" dirty="0"/>
-              <a:t>.</a:t>
-            </a:r>
-            <a:endParaRPr lang="en-IN" dirty="0"/>
-          </a:p>
-          <a:p>
-            <a:r>
-              <a:rPr lang="en-US" dirty="0"/>
-              <a:t>The graph makes sense, since expensive phones are more likely to support 4G than cheaper phones. However, we see that the expensive price range has lower number of 4G phones than average and cheap price range. This might be owing to the fact that some 3G phones with expensive features were released before 4G was available for use and some inexpensive 4G phones were released once 4G was available for use.</a:t>
-            </a:r>
-            <a:endParaRPr lang="en-IN" dirty="0"/>
-          </a:p>
-          <a:p>
-            <a:endParaRPr lang="en-IN" dirty="0"/>
+            <a:pPr marL="285750" indent="-285750">
+              <a:buFont typeface="Arial" pitchFamily="34" charset="0"/>
+              <a:buChar char="•"/>
+            </a:pPr>
+            <a:r>
+              <a:rPr lang="en-US" sz="1800" dirty="0"/>
+              <a:t>Since phones that support 4G require better hardware, it makes sense for phones with 4G support to be more expensive than other phones. We find the percentage of 4G phones in each price </a:t>
+            </a:r>
+            <a:r>
+              <a:rPr lang="en-US" sz="1800" dirty="0" smtClean="0"/>
+              <a:t>range.</a:t>
+            </a:r>
+          </a:p>
+          <a:p>
+            <a:pPr marL="285750" indent="-285750">
+              <a:buFont typeface="Arial" pitchFamily="34" charset="0"/>
+              <a:buChar char="•"/>
+            </a:pPr>
+            <a:r>
+              <a:rPr lang="en-US" sz="1800" dirty="0" smtClean="0"/>
+              <a:t>The </a:t>
+            </a:r>
+            <a:r>
+              <a:rPr lang="en-US" sz="1800" dirty="0"/>
+              <a:t>graph makes sense, since expensive phones are more likely to support 4G than cheaper phones. However, we see that the expensive price range has lower number of 4G phones than average and cheap price range. </a:t>
+            </a:r>
+            <a:endParaRPr lang="en-IN" sz="1800" dirty="0"/>
           </a:p>
         </p:txBody>
       </p:sp>
@@ -3968,10 +3982,14 @@
           <a:lstStyle/>
           <a:p>
             <a:r>
-              <a:rPr lang="en-IN" sz="2900" dirty="0" smtClean="0"/>
-              <a:t>3.2. PERCENTAGE OF PHONES WITH BLUETOOTH IN EACH PRICE RANGE</a:t>
-            </a:r>
-            <a:endParaRPr lang="en-IN" sz="2900" dirty="0"/>
+              <a:rPr lang="en-IN" sz="4400" dirty="0" smtClean="0"/>
+              <a:t>PERCENTAGE </a:t>
+            </a:r>
+            <a:r>
+              <a:rPr lang="en-IN" sz="4400" dirty="0" smtClean="0"/>
+              <a:t>OF PHONES WITH BLUETOOTH IN EACH PRICE RANGE</a:t>
+            </a:r>
+            <a:endParaRPr lang="en-IN" sz="4400" dirty="0"/>
           </a:p>
         </p:txBody>
       </p:sp>
@@ -3992,27 +4010,12 @@
           <a:p>
             <a:r>
               <a:rPr lang="en-US" sz="2400" dirty="0"/>
-              <a:t>Bluetooth is another very important feature for mobiles, since it enables media sharing across mobiles. We find the percentage of phones with Bluetooth in each price range using shape() from pandas and </a:t>
-            </a:r>
-            <a:r>
-              <a:rPr lang="en-US" sz="2400" dirty="0" err="1"/>
-              <a:t>barh</a:t>
-            </a:r>
-            <a:r>
-              <a:rPr lang="en-US" sz="2400" dirty="0"/>
-              <a:t>() from </a:t>
-            </a:r>
-            <a:r>
-              <a:rPr lang="en-US" sz="2400" dirty="0" err="1"/>
-              <a:t>matplotlib</a:t>
-            </a:r>
-            <a:r>
-              <a:rPr lang="en-US" sz="2400" dirty="0"/>
-              <a:t>.</a:t>
-            </a:r>
-            <a:endParaRPr lang="en-IN" sz="2400" dirty="0"/>
-          </a:p>
-          <a:p>
+              <a:t>Bluetooth is another very important feature for mobiles, since it enables media sharing across mobiles. We find the percentage of phones with Bluetooth in each price </a:t>
+            </a:r>
+            <a:r>
+              <a:rPr lang="en-US" sz="2400" dirty="0" smtClean="0"/>
+              <a:t>range.</a:t>
+            </a:r>
             <a:endParaRPr lang="en-IN" dirty="0"/>
           </a:p>
         </p:txBody>
@@ -4091,7 +4094,7 @@
         </p:nvSpPr>
         <p:spPr>
           <a:xfrm>
-            <a:off x="395536" y="697756"/>
+            <a:off x="640693" y="1484784"/>
             <a:ext cx="8496944" cy="1435100"/>
           </a:xfrm>
         </p:spPr>
@@ -4102,32 +4105,32 @@
           <a:lstStyle/>
           <a:p>
             <a:r>
-              <a:rPr lang="en-US" sz="2900" dirty="0" smtClean="0"/>
-              <a:t> 3.3. Average </a:t>
-            </a:r>
-            <a:r>
-              <a:rPr lang="en-US" sz="2900" dirty="0"/>
+              <a:rPr lang="en-US" sz="4400" dirty="0" smtClean="0"/>
+              <a:t>Average </a:t>
+            </a:r>
+            <a:r>
+              <a:rPr lang="en-US" sz="4400" dirty="0"/>
               <a:t>Internal Memory of phones at different price ranges</a:t>
             </a:r>
             <a:r>
-              <a:rPr lang="en-IN" sz="2900" dirty="0"/>
+              <a:rPr lang="en-IN" sz="4400" dirty="0"/>
               <a:t/>
             </a:r>
             <a:br>
-              <a:rPr lang="en-IN" sz="2900" dirty="0"/>
+              <a:rPr lang="en-IN" sz="4400" dirty="0"/>
             </a:br>
             <a:r>
-              <a:rPr lang="en-US" sz="2900" dirty="0"/>
+              <a:rPr lang="en-US" sz="4400" dirty="0"/>
               <a:t> </a:t>
             </a:r>
             <a:r>
-              <a:rPr lang="en-IN" sz="2900" dirty="0"/>
+              <a:rPr lang="en-IN" sz="4400" dirty="0"/>
               <a:t/>
             </a:r>
             <a:br>
-              <a:rPr lang="en-IN" sz="2900" dirty="0"/>
+              <a:rPr lang="en-IN" sz="4400" dirty="0"/>
             </a:br>
-            <a:endParaRPr lang="en-IN" sz="2900" dirty="0"/>
+            <a:endParaRPr lang="en-IN" sz="4400" dirty="0"/>
           </a:p>
         </p:txBody>
       </p:sp>
@@ -4149,35 +4152,33 @@
         </p:spPr>
         <p:txBody>
           <a:bodyPr>
-            <a:normAutofit fontScale="85000" lnSpcReduction="20000"/>
+            <a:normAutofit fontScale="92500" lnSpcReduction="20000"/>
           </a:bodyPr>
           <a:lstStyle/>
           <a:p>
+            <a:pPr marL="342900" indent="-342900">
+              <a:buFont typeface="Arial" pitchFamily="34" charset="0"/>
+              <a:buChar char="•"/>
+            </a:pPr>
+            <a:r>
+              <a:rPr lang="en-US" sz="2400" dirty="0" smtClean="0"/>
+              <a:t>We </a:t>
+            </a:r>
             <a:r>
               <a:rPr lang="en-US" sz="2400" dirty="0"/>
-              <a:t>Phones of the same model have different prices for different internal memory capacities. We find the average internal memory of phones in each price range using mean() from pandas and </a:t>
-            </a:r>
-            <a:r>
-              <a:rPr lang="en-US" sz="2400" dirty="0" err="1"/>
-              <a:t>barh</a:t>
-            </a:r>
-            <a:r>
-              <a:rPr lang="en-US" sz="2400" dirty="0"/>
-              <a:t>() from </a:t>
-            </a:r>
-            <a:r>
-              <a:rPr lang="en-US" sz="2400" dirty="0" err="1"/>
-              <a:t>matplotlib</a:t>
+              <a:t>find the average internal memory of phones in each price </a:t>
             </a:r>
             <a:r>
               <a:rPr lang="en-US" sz="2400" dirty="0" smtClean="0"/>
-              <a:t>. </a:t>
-            </a:r>
-          </a:p>
-          <a:p>
+              <a:t>range.</a:t>
+            </a:r>
             <a:endParaRPr lang="en-US" sz="2400" dirty="0"/>
           </a:p>
           <a:p>
+            <a:pPr marL="342900" indent="-342900">
+              <a:buFont typeface="Arial" pitchFamily="34" charset="0"/>
+              <a:buChar char="•"/>
+            </a:pPr>
             <a:r>
               <a:rPr lang="en-US" sz="2400" dirty="0" smtClean="0"/>
               <a:t>Internal </a:t>
@@ -4189,6 +4190,10 @@
             <a:endParaRPr lang="en-IN" sz="2400" dirty="0"/>
           </a:p>
           <a:p>
+            <a:pPr marL="342900" indent="-342900">
+              <a:buFont typeface="Arial" pitchFamily="34" charset="0"/>
+              <a:buChar char="•"/>
+            </a:pPr>
             <a:endParaRPr lang="en-IN" sz="2400" dirty="0"/>
           </a:p>
         </p:txBody>
@@ -4267,7 +4272,7 @@
         </p:nvSpPr>
         <p:spPr>
           <a:xfrm>
-            <a:off x="395536" y="769764"/>
+            <a:off x="611560" y="1412776"/>
             <a:ext cx="8208912" cy="1435100"/>
           </a:xfrm>
         </p:spPr>
@@ -4278,44 +4283,44 @@
           <a:lstStyle/>
           <a:p>
             <a:r>
-              <a:rPr lang="en-US" sz="2900" dirty="0" smtClean="0"/>
-              <a:t> 3.4. Average </a:t>
-            </a:r>
-            <a:r>
-              <a:rPr lang="en-US" sz="2900" dirty="0"/>
+              <a:rPr lang="en-US" sz="4400" dirty="0" smtClean="0"/>
+              <a:t>Average </a:t>
+            </a:r>
+            <a:r>
+              <a:rPr lang="en-US" sz="4400" dirty="0"/>
               <a:t>Battery Power </a:t>
             </a:r>
             <a:r>
-              <a:rPr lang="en-US" sz="2900" dirty="0" smtClean="0"/>
+              <a:rPr lang="en-US" sz="4400" dirty="0" smtClean="0"/>
               <a:t>of </a:t>
             </a:r>
             <a:r>
-              <a:rPr lang="en-US" sz="2900" dirty="0"/>
+              <a:rPr lang="en-US" sz="4400" dirty="0"/>
               <a:t>phones at different </a:t>
             </a:r>
             <a:r>
-              <a:rPr lang="en-US" sz="2900" dirty="0" smtClean="0"/>
+              <a:rPr lang="en-US" sz="4400" dirty="0" smtClean="0"/>
               <a:t>price ranges</a:t>
             </a:r>
             <a:r>
-              <a:rPr lang="en-IN" sz="2900" dirty="0"/>
+              <a:rPr lang="en-IN" sz="4400" dirty="0"/>
               <a:t/>
             </a:r>
             <a:br>
-              <a:rPr lang="en-IN" sz="2900" dirty="0"/>
+              <a:rPr lang="en-IN" sz="4400" dirty="0"/>
             </a:br>
             <a:r>
-              <a:rPr lang="en-US" sz="2900" dirty="0"/>
+              <a:rPr lang="en-US" sz="4400" dirty="0"/>
               <a:t> </a:t>
             </a:r>
             <a:r>
-              <a:rPr lang="en-IN" sz="2900" dirty="0"/>
+              <a:rPr lang="en-IN" sz="4400" dirty="0"/>
               <a:t/>
             </a:r>
             <a:br>
-              <a:rPr lang="en-IN" sz="2900" dirty="0"/>
+              <a:rPr lang="en-IN" sz="4400" dirty="0"/>
             </a:br>
-            <a:endParaRPr lang="en-IN" sz="2900" dirty="0"/>
+            <a:endParaRPr lang="en-IN" sz="4400" dirty="0"/>
           </a:p>
         </p:txBody>
       </p:sp>
@@ -4341,45 +4346,42 @@
           </a:bodyPr>
           <a:lstStyle/>
           <a:p>
+            <a:pPr marL="342900" indent="-342900">
+              <a:buFont typeface="Arial" pitchFamily="34" charset="0"/>
+              <a:buChar char="•"/>
+            </a:pPr>
             <a:r>
               <a:rPr lang="en-US" sz="2000" dirty="0"/>
-              <a:t>The battery power of a phone will determine how long the phone can be used before it needs to be charged again. We find the average battery power of phones in each price range using mean() from pandas and </a:t>
-            </a:r>
-            <a:r>
-              <a:rPr lang="en-US" sz="2000" dirty="0" err="1"/>
-              <a:t>barh</a:t>
-            </a:r>
+              <a:t>The battery power of a phone will determine how long the phone can be used before it needs to be charged again. We find the average battery power of phones in each price </a:t>
+            </a:r>
+            <a:r>
+              <a:rPr lang="en-US" sz="2000" dirty="0" smtClean="0"/>
+              <a:t>range.</a:t>
+            </a:r>
+          </a:p>
+          <a:p>
+            <a:pPr marL="342900" indent="-342900">
+              <a:buFont typeface="Arial" pitchFamily="34" charset="0"/>
+              <a:buChar char="•"/>
+            </a:pPr>
+            <a:endParaRPr lang="en-US" sz="2000" dirty="0"/>
+          </a:p>
+          <a:p>
+            <a:pPr marL="342900" indent="-342900">
+              <a:buFont typeface="Arial" pitchFamily="34" charset="0"/>
+              <a:buChar char="•"/>
+            </a:pPr>
             <a:r>
               <a:rPr lang="en-US" sz="2000" dirty="0"/>
-              <a:t>() from </a:t>
-            </a:r>
-            <a:r>
-              <a:rPr lang="en-US" sz="2000" dirty="0" err="1"/>
-              <a:t>matplotlib</a:t>
-            </a:r>
-            <a:r>
-              <a:rPr lang="en-US" sz="2000" dirty="0" smtClean="0"/>
-              <a:t>. </a:t>
-            </a:r>
-          </a:p>
-          <a:p>
-            <a:endParaRPr lang="en-US" sz="2000" dirty="0"/>
-          </a:p>
-          <a:p>
-            <a:r>
-              <a:rPr lang="en-US" sz="2000" dirty="0"/>
-              <a:t>Phones at higher price range are likely to have more battery power, which makes complete sense. </a:t>
+              <a:t>Phones at higher price range are likely to have more battery power, which makes complete sense.  </a:t>
             </a:r>
             <a:endParaRPr lang="en-IN" sz="2000" dirty="0"/>
           </a:p>
           <a:p>
-            <a:r>
-              <a:rPr lang="en-US" sz="2000" dirty="0"/>
-              <a:t> </a:t>
-            </a:r>
-            <a:endParaRPr lang="en-IN" sz="2000" dirty="0"/>
-          </a:p>
-          <a:p>
+            <a:pPr marL="285750" indent="-285750">
+              <a:buFont typeface="Arial" pitchFamily="34" charset="0"/>
+              <a:buChar char="•"/>
+            </a:pPr>
             <a:endParaRPr lang="en-IN" dirty="0"/>
           </a:p>
         </p:txBody>
@@ -4458,7 +4460,7 @@
         </p:nvSpPr>
         <p:spPr>
           <a:xfrm>
-            <a:off x="457200" y="273050"/>
+            <a:off x="539552" y="908720"/>
             <a:ext cx="8219256" cy="1162050"/>
           </a:xfrm>
         </p:spPr>
@@ -4469,25 +4471,25 @@
           <a:lstStyle/>
           <a:p>
             <a:r>
-              <a:rPr lang="en-US" sz="2900" dirty="0" smtClean="0"/>
-              <a:t>3.5. Average </a:t>
-            </a:r>
-            <a:r>
-              <a:rPr lang="en-US" sz="2900" dirty="0"/>
+              <a:rPr lang="en-US" sz="4400" dirty="0" smtClean="0"/>
+              <a:t>Average </a:t>
+            </a:r>
+            <a:r>
+              <a:rPr lang="en-US" sz="4400" dirty="0"/>
               <a:t>Processor Clock Speed of phones at different price ranges</a:t>
             </a:r>
             <a:r>
-              <a:rPr lang="en-IN" sz="2900" dirty="0"/>
+              <a:rPr lang="en-IN" sz="4400" dirty="0"/>
               <a:t/>
             </a:r>
             <a:br>
-              <a:rPr lang="en-IN" sz="2900" dirty="0"/>
+              <a:rPr lang="en-IN" sz="4400" dirty="0"/>
             </a:br>
             <a:r>
-              <a:rPr lang="en-US" sz="2900" dirty="0"/>
+              <a:rPr lang="en-US" sz="4400" dirty="0"/>
               <a:t> </a:t>
             </a:r>
-            <a:endParaRPr lang="en-IN" sz="2900" dirty="0"/>
+            <a:endParaRPr lang="en-IN" sz="4400" dirty="0"/>
           </a:p>
         </p:txBody>
       </p:sp>
@@ -4513,46 +4515,45 @@
           </a:bodyPr>
           <a:lstStyle/>
           <a:p>
-            <a:r>
-              <a:rPr lang="en-US" sz="1600" dirty="0"/>
-              <a:t>The clock speed of a processor determines how fast it can execute instructions. However, since clock speed of a processor does not directly indicate better performance, we might see a different result than expected. We find the average processor clock speed of phones in each price range using mean() from pandas and </a:t>
-            </a:r>
-            <a:r>
-              <a:rPr lang="en-US" sz="1600" dirty="0" err="1"/>
-              <a:t>barh</a:t>
-            </a:r>
-            <a:r>
-              <a:rPr lang="en-US" sz="1600" dirty="0"/>
-              <a:t>() from </a:t>
-            </a:r>
-            <a:r>
-              <a:rPr lang="en-US" sz="1600" dirty="0" err="1"/>
-              <a:t>matplotlib</a:t>
-            </a:r>
-            <a:r>
-              <a:rPr lang="en-US" sz="1600" dirty="0" smtClean="0"/>
-              <a:t>.</a:t>
-            </a:r>
-          </a:p>
-          <a:p>
-            <a:endParaRPr lang="en-US" sz="1600" dirty="0"/>
-          </a:p>
-          <a:p>
-            <a:r>
-              <a:rPr lang="en-US" sz="1600" dirty="0"/>
-              <a:t>As we can see, phones in very cheap category have a higher average clock speed processor than phones at higher price ranges. This is owing to the fact that the more clock speed of processors does not directly equal better performance. Performance of a processor depends on the number of cores, the technology used in heat dissipation and so on. In fact, more expensive processors usually have lower clock speed but the other factors make up for the performance. </a:t>
-            </a:r>
-            <a:endParaRPr lang="en-IN" sz="1600" dirty="0"/>
-          </a:p>
-          <a:p>
-            <a:r>
-              <a:rPr lang="en-US" sz="1600" dirty="0"/>
-              <a:t> </a:t>
-            </a:r>
-            <a:endParaRPr lang="en-IN" sz="1600" dirty="0"/>
-          </a:p>
-          <a:p>
-            <a:endParaRPr lang="en-IN" sz="1600" dirty="0"/>
+            <a:pPr marL="285750" indent="-285750">
+              <a:buFont typeface="Arial" pitchFamily="34" charset="0"/>
+              <a:buChar char="•"/>
+            </a:pPr>
+            <a:r>
+              <a:rPr lang="en-US" sz="2000" dirty="0"/>
+              <a:t>The clock speed of a processor determines how fast it can execute instructions. </a:t>
+            </a:r>
+            <a:r>
+              <a:rPr lang="en-US" sz="2000" dirty="0" smtClean="0"/>
+              <a:t>We </a:t>
+            </a:r>
+            <a:r>
+              <a:rPr lang="en-US" sz="2000" dirty="0"/>
+              <a:t>find the average processor clock speed of phones in each price </a:t>
+            </a:r>
+            <a:r>
+              <a:rPr lang="en-US" sz="2000" dirty="0" smtClean="0"/>
+              <a:t>range.</a:t>
+            </a:r>
+            <a:endParaRPr lang="en-US" sz="2000" dirty="0"/>
+          </a:p>
+          <a:p>
+            <a:pPr marL="285750" indent="-285750">
+              <a:buFont typeface="Arial" pitchFamily="34" charset="0"/>
+              <a:buChar char="•"/>
+            </a:pPr>
+            <a:r>
+              <a:rPr lang="en-US" sz="2000" dirty="0"/>
+              <a:t>As we can see, phones in very cheap category have a higher average clock speed processor than phones at higher price ranges. This is owing to the fact that the more clock speed of processors does not directly equal better performance.  </a:t>
+            </a:r>
+            <a:endParaRPr lang="en-IN" sz="2000" dirty="0"/>
+          </a:p>
+          <a:p>
+            <a:pPr marL="285750" indent="-285750">
+              <a:buFont typeface="Arial" pitchFamily="34" charset="0"/>
+              <a:buChar char="•"/>
+            </a:pPr>
+            <a:endParaRPr lang="en-IN" sz="2000" dirty="0"/>
           </a:p>
         </p:txBody>
       </p:sp>
@@ -4641,14 +4642,14 @@
           <a:lstStyle/>
           <a:p>
             <a:r>
-              <a:rPr lang="en-US" sz="2900" dirty="0" smtClean="0"/>
-              <a:t>3.6. Average </a:t>
-            </a:r>
-            <a:r>
-              <a:rPr lang="en-US" sz="2900" dirty="0"/>
+              <a:rPr lang="en-US" sz="4400" dirty="0" smtClean="0"/>
+              <a:t>Average </a:t>
+            </a:r>
+            <a:r>
+              <a:rPr lang="en-US" sz="4400" dirty="0"/>
               <a:t>RAM capacity of phones at different price ranges</a:t>
             </a:r>
-            <a:endParaRPr lang="en-IN" sz="2900" dirty="0"/>
+            <a:endParaRPr lang="en-IN" sz="4400" dirty="0"/>
           </a:p>
         </p:txBody>
       </p:sp>
@@ -4674,28 +4675,25 @@
           </a:bodyPr>
           <a:lstStyle/>
           <a:p>
+            <a:pPr marL="342900" indent="-342900">
+              <a:buFont typeface="Arial" pitchFamily="34" charset="0"/>
+              <a:buChar char="•"/>
+            </a:pPr>
             <a:r>
               <a:rPr lang="en-US" sz="2000" dirty="0"/>
-              <a:t>The RAM of a phone is very important for people who want to multitask. A little change in RAM can mean a huge boost in performance. We find the average RAM capacity of phones in each price range using mean() from pandas and </a:t>
-            </a:r>
-            <a:r>
-              <a:rPr lang="en-US" sz="2000" dirty="0" err="1"/>
-              <a:t>barh</a:t>
-            </a:r>
-            <a:r>
-              <a:rPr lang="en-US" sz="2000" dirty="0"/>
-              <a:t>() from </a:t>
-            </a:r>
-            <a:r>
-              <a:rPr lang="en-US" sz="2000" dirty="0" err="1" smtClean="0"/>
-              <a:t>matplotlib</a:t>
-            </a:r>
-            <a:endParaRPr lang="en-US" sz="2000" dirty="0" smtClean="0"/>
-          </a:p>
-          <a:p>
+              <a:t>The RAM of a phone is very important for people who want to multitask. A little change in RAM can mean a huge boost in performance. We find the average RAM capacity of phones in each price </a:t>
+            </a:r>
+            <a:r>
+              <a:rPr lang="en-US" sz="2000" dirty="0" smtClean="0"/>
+              <a:t>range.</a:t>
+            </a:r>
             <a:endParaRPr lang="en-US" sz="2000" dirty="0"/>
           </a:p>
           <a:p>
+            <a:pPr marL="342900" indent="-342900">
+              <a:buFont typeface="Arial" pitchFamily="34" charset="0"/>
+              <a:buChar char="•"/>
+            </a:pPr>
             <a:r>
               <a:rPr lang="en-US" sz="2000" dirty="0"/>
               <a:t>The difference in RAM capacity in each price range is drastic. RAM is a very important feature in determining the price of a phone. We will use this feature to check if our predictions are accurate later. </a:t>
@@ -4803,12 +4801,13 @@
           </a:lstStyle>
           <a:p>
             <a:r>
-              <a:rPr lang="en-IN" dirty="0"/>
-              <a:t>4</a:t>
-            </a:r>
-            <a:r>
-              <a:rPr lang="en-IN" dirty="0" smtClean="0"/>
-              <a:t>. </a:t>
+              <a:rPr lang="en" b="1" dirty="0" smtClean="0">
+                <a:latin typeface="Times New Roman"/>
+                <a:ea typeface="Times New Roman"/>
+                <a:cs typeface="Times New Roman"/>
+                <a:sym typeface="Times New Roman"/>
+              </a:rPr>
+              <a:t>Creating </a:t>
             </a:r>
             <a:r>
               <a:rPr lang="en" b="1" dirty="0">
@@ -4817,7 +4816,7 @@
                 <a:cs typeface="Times New Roman"/>
                 <a:sym typeface="Times New Roman"/>
               </a:rPr>
-              <a:t>Creating models and finding the best accuracy</a:t>
+              <a:t>models and finding the best accuracy</a:t>
             </a:r>
             <a:endParaRPr lang="en-IN" dirty="0"/>
           </a:p>
@@ -4832,7 +4831,7 @@
         <p:spPr>
           <a:xfrm>
             <a:off x="323528" y="2060848"/>
-            <a:ext cx="8280920" cy="3416320"/>
+            <a:ext cx="8280920" cy="3139321"/>
           </a:xfrm>
           <a:prstGeom prst="rect">
             <a:avLst/>
@@ -4845,12 +4844,25 @@
           </a:bodyPr>
           <a:lstStyle/>
           <a:p>
+            <a:pPr marL="285750" indent="-285750">
+              <a:buFont typeface="Arial" pitchFamily="34" charset="0"/>
+              <a:buChar char="•"/>
+            </a:pPr>
             <a:r>
               <a:rPr lang="en-US" dirty="0"/>
-              <a:t>As we discussed before, the test file has no data for price range, so we have to split the training data into training data and testing data to find the accuracy of the models. We split them on a 60:40 basis. We set random state to a constant so that the result is same every time the code is run. </a:t>
-            </a:r>
-          </a:p>
-          <a:p>
+              <a:t>As we discussed before, the test file has no data for price range, so we have to split the training data into training data and testing data to find the accuracy of the models. We split them on a 60:40 basis</a:t>
+            </a:r>
+            <a:r>
+              <a:rPr lang="en-US" dirty="0" smtClean="0"/>
+              <a:t>.</a:t>
+            </a:r>
+            <a:endParaRPr lang="en-US" dirty="0"/>
+          </a:p>
+          <a:p>
+            <a:pPr marL="285750" indent="-285750">
+              <a:buFont typeface="Arial" pitchFamily="34" charset="0"/>
+              <a:buChar char="•"/>
+            </a:pPr>
             <a:r>
               <a:rPr lang="en-US" dirty="0"/>
               <a:t>We create 4 different models. They are: </a:t>
@@ -4859,25 +4871,45 @@
           <a:p>
             <a:r>
               <a:rPr lang="en-US" dirty="0"/>
-              <a:t>1. Linear Regression </a:t>
-            </a:r>
-          </a:p>
-          <a:p>
+              <a:t>	</a:t>
+            </a:r>
+            <a:r>
+              <a:rPr lang="en-US" dirty="0" smtClean="0"/>
+              <a:t>1</a:t>
+            </a:r>
             <a:r>
               <a:rPr lang="en-US" dirty="0"/>
-              <a:t>2. Logistic Regression </a:t>
-            </a:r>
-          </a:p>
-          <a:p>
+              <a:t>. Linear Regression </a:t>
+            </a:r>
+          </a:p>
+          <a:p>
+            <a:r>
+              <a:rPr lang="en-US" dirty="0" smtClean="0"/>
+              <a:t>	2</a:t>
+            </a:r>
             <a:r>
               <a:rPr lang="en-US" dirty="0"/>
-              <a:t>3. Random Forest Classifier </a:t>
-            </a:r>
-          </a:p>
-          <a:p>
+              <a:t>. Logistic Regression </a:t>
+            </a:r>
+          </a:p>
+          <a:p>
+            <a:r>
+              <a:rPr lang="en-US" dirty="0" smtClean="0"/>
+              <a:t>	3</a:t>
+            </a:r>
             <a:r>
               <a:rPr lang="en-US" dirty="0"/>
-              <a:t>4. K Nearest </a:t>
+              <a:t>. Random Forest Classifier </a:t>
+            </a:r>
+          </a:p>
+          <a:p>
+            <a:r>
+              <a:rPr lang="en-US" dirty="0" smtClean="0"/>
+              <a:t>	4</a:t>
+            </a:r>
+            <a:r>
+              <a:rPr lang="en-US" dirty="0"/>
+              <a:t>. K Nearest </a:t>
             </a:r>
             <a:r>
               <a:rPr lang="en-US" dirty="0" err="1"/>
@@ -4889,9 +4921,17 @@
             </a:r>
           </a:p>
           <a:p>
+            <a:pPr marL="285750" indent="-285750">
+              <a:buFont typeface="Arial" pitchFamily="34" charset="0"/>
+              <a:buChar char="•"/>
+            </a:pPr>
             <a:endParaRPr lang="en-US" dirty="0"/>
           </a:p>
           <a:p>
+            <a:pPr marL="285750" indent="-285750">
+              <a:buFont typeface="Arial" pitchFamily="34" charset="0"/>
+              <a:buChar char="•"/>
+            </a:pPr>
             <a:r>
               <a:rPr lang="en-US" dirty="0"/>
               <a:t>Models 1-3 were simple and straight forward, however K Nearest </a:t>
@@ -4904,7 +4944,6 @@
               <a:rPr lang="en-US" dirty="0"/>
               <a:t> Classifier differs with the value of k set. </a:t>
             </a:r>
-            <a:endParaRPr lang="en-US" dirty="0"/>
           </a:p>
         </p:txBody>
       </p:sp>
@@ -5221,7 +5260,7 @@
               <a:buNone/>
             </a:pPr>
             <a:r>
-              <a:rPr lang="en" sz="2900" dirty="0" smtClean="0">
+              <a:rPr lang="en" sz="4400" dirty="0" smtClean="0">
                 <a:solidFill>
                   <a:srgbClr val="FFFFFF"/>
                 </a:solidFill>
@@ -5230,10 +5269,10 @@
                 <a:cs typeface="Times New Roman"/>
                 <a:sym typeface="Times New Roman"/>
               </a:rPr>
-              <a:t>4.1. K </a:t>
-            </a:r>
-            <a:r>
-              <a:rPr lang="en" sz="2900" dirty="0">
+              <a:t>K </a:t>
+            </a:r>
+            <a:r>
+              <a:rPr lang="en" sz="4400" dirty="0">
                 <a:solidFill>
                   <a:srgbClr val="FFFFFF"/>
                 </a:solidFill>
@@ -5244,7 +5283,7 @@
               </a:rPr>
               <a:t>Nearest Neighbours Classifier</a:t>
             </a:r>
-            <a:endParaRPr sz="2900" dirty="0">
+            <a:endParaRPr sz="4400" dirty="0">
               <a:solidFill>
                 <a:srgbClr val="FFFFFF"/>
               </a:solidFill>
@@ -5264,7 +5303,7 @@
               </a:spcAft>
               <a:buNone/>
             </a:pPr>
-            <a:endParaRPr sz="2900" dirty="0">
+            <a:endParaRPr sz="4400" dirty="0">
               <a:latin typeface="+mj-lt"/>
             </a:endParaRPr>
           </a:p>
@@ -5279,7 +5318,7 @@
         <p:spPr>
           <a:xfrm>
             <a:off x="144016" y="1823913"/>
-            <a:ext cx="3275856" cy="3693319"/>
+            <a:ext cx="3275856" cy="2862322"/>
           </a:xfrm>
           <a:prstGeom prst="rect">
             <a:avLst/>
@@ -5292,60 +5331,36 @@
           </a:bodyPr>
           <a:lstStyle/>
           <a:p>
-            <a:pPr lvl="0"/>
+            <a:pPr marL="285750" lvl="0" indent="-285750">
+              <a:buFont typeface="Arial" pitchFamily="34" charset="0"/>
+              <a:buChar char="•"/>
+            </a:pPr>
             <a:r>
               <a:rPr lang="en-US" dirty="0">
                 <a:ea typeface="Times New Roman"/>
                 <a:cs typeface="Times New Roman"/>
                 <a:sym typeface="Times New Roman"/>
               </a:rPr>
-              <a:t>We create a different model for different values of  k and compare the accuracies. We select k to be a minimum of 4, since there are 4 classes to be classified in price range. We </a:t>
-            </a:r>
-            <a:r>
-              <a:rPr lang="en-US" dirty="0" err="1">
-                <a:ea typeface="Times New Roman"/>
-                <a:cs typeface="Times New Roman"/>
-                <a:sym typeface="Times New Roman"/>
-              </a:rPr>
-              <a:t>barh</a:t>
-            </a:r>
-            <a:r>
-              <a:rPr lang="en-US" dirty="0">
-                <a:ea typeface="Times New Roman"/>
-                <a:cs typeface="Times New Roman"/>
-                <a:sym typeface="Times New Roman"/>
-              </a:rPr>
-              <a:t>() from </a:t>
-            </a:r>
-            <a:r>
-              <a:rPr lang="en-US" dirty="0" err="1">
-                <a:ea typeface="Times New Roman"/>
-                <a:cs typeface="Times New Roman"/>
-                <a:sym typeface="Times New Roman"/>
-              </a:rPr>
-              <a:t>matplotlib</a:t>
-            </a:r>
-            <a:r>
-              <a:rPr lang="en-US" dirty="0">
-                <a:ea typeface="Times New Roman"/>
-                <a:cs typeface="Times New Roman"/>
-                <a:sym typeface="Times New Roman"/>
-              </a:rPr>
-              <a:t> to graph the data.</a:t>
-            </a:r>
-          </a:p>
-          <a:p>
+              <a:t>We create a different model for different values of  k and compare the accuracies. We select k to be a minimum of 4, since there are 4 classes to be classified in price range. </a:t>
+            </a:r>
             <a:endParaRPr lang="en-US" dirty="0" smtClean="0"/>
           </a:p>
           <a:p>
+            <a:pPr marL="285750" indent="-285750">
+              <a:buFont typeface="Arial" pitchFamily="34" charset="0"/>
+              <a:buChar char="•"/>
+            </a:pPr>
             <a:endParaRPr lang="en-US" dirty="0"/>
           </a:p>
           <a:p>
+            <a:pPr marL="285750" indent="-285750">
+              <a:buFont typeface="Arial" pitchFamily="34" charset="0"/>
+              <a:buChar char="•"/>
+            </a:pPr>
             <a:r>
               <a:rPr lang="en-US" dirty="0"/>
               <a:t>Since accuracy is maximum for k=13, we select KNN classifier with k=13. </a:t>
             </a:r>
-            <a:endParaRPr lang="en-US" dirty="0"/>
           </a:p>
         </p:txBody>
       </p:sp>
@@ -5682,27 +5697,24 @@
           <a:p>
             <a:pPr lvl="0"/>
             <a:r>
-              <a:rPr lang="en" sz="2900" dirty="0" smtClean="0">
-                <a:solidFill>
-                  <a:schemeClr val="tx1"/>
-                </a:solidFill>
-                <a:latin typeface="+mj-lt"/>
-                <a:ea typeface="Times New Roman"/>
-                <a:cs typeface="Times New Roman"/>
-                <a:sym typeface="Times New Roman"/>
-              </a:rPr>
-              <a:t>4.2. </a:t>
-            </a:r>
-            <a:r>
-              <a:rPr lang="en-US" sz="2900" dirty="0">
+              <a:rPr lang="en-US" sz="4400" dirty="0" smtClean="0">
                 <a:solidFill>
                   <a:schemeClr val="tx1"/>
                 </a:solidFill>
                 <a:latin typeface="+mj-lt"/>
               </a:rPr>
-              <a:t>Selecting a model </a:t>
-            </a:r>
-            <a:endParaRPr sz="2900" dirty="0">
+              <a:t>Selecting </a:t>
+            </a:r>
+            <a:r>
+              <a:rPr lang="en-US" sz="4400" dirty="0">
+                <a:solidFill>
+                  <a:schemeClr val="tx1"/>
+                </a:solidFill>
+                <a:latin typeface="+mj-lt"/>
+              </a:rPr>
+              <a:t>a model </a:t>
+            </a:r>
+            <a:endParaRPr sz="4400" dirty="0">
               <a:solidFill>
                 <a:schemeClr val="tx1"/>
               </a:solidFill>
@@ -5733,7 +5745,10 @@
           </a:bodyPr>
           <a:lstStyle/>
           <a:p>
-            <a:pPr lvl="0"/>
+            <a:pPr marL="285750" lvl="0" indent="-285750">
+              <a:buFont typeface="Arial" pitchFamily="34" charset="0"/>
+              <a:buChar char="•"/>
+            </a:pPr>
             <a:r>
               <a:rPr lang="en-US" dirty="0">
                 <a:ea typeface="Times New Roman"/>
@@ -5808,6 +5823,10 @@
           </a:bodyPr>
           <a:lstStyle/>
           <a:p>
+            <a:pPr marL="285750" indent="-285750">
+              <a:buFont typeface="Arial" pitchFamily="34" charset="0"/>
+              <a:buChar char="•"/>
+            </a:pPr>
             <a:r>
               <a:rPr lang="en-US" dirty="0"/>
               <a:t>Linear Regression and KNN Classifier have almost the same accuracy. We choose KNN Classifier since we are dealing with classification here </a:t>
@@ -5820,7 +5839,6 @@
               <a:rPr lang="en-US" dirty="0"/>
               <a:t>discrete values, and Linear Regression is a better choice for regression with continuous values. </a:t>
             </a:r>
-            <a:endParaRPr lang="en-US" dirty="0"/>
           </a:p>
         </p:txBody>
       </p:sp>
@@ -5871,7 +5889,7 @@
           <a:p>
             <a:r>
               <a:rPr lang="en-IN" dirty="0" smtClean="0"/>
-              <a:t>ABSTRACT</a:t>
+              <a:t>OBJECTIVE</a:t>
             </a:r>
             <a:endParaRPr lang="en-IN" dirty="0"/>
           </a:p>
@@ -5890,16 +5908,14 @@
         <p:spPr/>
         <p:txBody>
           <a:bodyPr>
-            <a:normAutofit fontScale="62500" lnSpcReduction="20000"/>
+            <a:normAutofit fontScale="70000" lnSpcReduction="20000"/>
           </a:bodyPr>
           <a:lstStyle/>
           <a:p>
-            <a:pPr marL="0" indent="0">
-              <a:buNone/>
-            </a:pPr>
+            <a:pPr fontAlgn="base"/>
             <a:r>
               <a:rPr lang="en-US" dirty="0"/>
-              <a:t>When we think about purchasing a new phone, the most important aspect is usually the budget. The evolution of smartphone has brought a plethora of options and features for us, which can often become overwhelming while looking for a new phone. This is why mobile price classification is so important. It will not only help you in finding a phone with desired features but also within the desired price range. This is the main motive behind the project. We use a dataset that contains the features of a mobile that affect its price, namely processor clock speed, RAM capacity, front camera, primary camera, internal memory and so on. The dataset can be found at </a:t>
+              <a:t>We use a dataset that contains the features of a mobile that affect its price, namely processor clock speed, RAM capacity, front camera, primary camera, internal memory and so on. The dataset can be found at </a:t>
             </a:r>
             <a:r>
               <a:rPr lang="en-US" u="sng" dirty="0">
@@ -5911,28 +5927,34 @@
               <a:rPr lang="en-US" dirty="0"/>
               <a:t> [1]</a:t>
             </a:r>
-            <a:br>
+          </a:p>
+          <a:p>
+            <a:pPr fontAlgn="base"/>
+            <a:r>
               <a:rPr lang="en-US" dirty="0"/>
-            </a:br>
+              <a:t>20 features were used as input with the output being the price range. </a:t>
+            </a:r>
+          </a:p>
+          <a:p>
+            <a:pPr fontAlgn="base"/>
             <a:r>
               <a:rPr lang="en-US" dirty="0"/>
-              <a:t>20 features were used as input with the output being the price range. </a:t>
-            </a:r>
-            <a:br>
+              <a:t>We code different models with different feature selection algorithms like Linear Regression, Logistic Regression, Random Forest Classifier and KNN Classifier.  </a:t>
+            </a:r>
+          </a:p>
+          <a:p>
+            <a:pPr fontAlgn="base"/>
+            <a:r>
               <a:rPr lang="en-US" dirty="0"/>
-            </a:br>
-            <a:r>
-              <a:rPr lang="en-US" dirty="0"/>
-              <a:t>We code different models with different feature selection algorithms like Linear Regression, Logistic Regression, Random Forest Classifier and KNN Classifier. Ultimately, KNN Classifier is chosen because it has the most accuracy among all the models. The value of k is chosen to be 13 because it provides us the most accuracy.</a:t>
-            </a:r>
-            <a:br>
-              <a:rPr lang="en-US" dirty="0"/>
-            </a:br>
+              <a:t>KNN Classifier is chosen because it has the most accuracy among all the models. The value of k is chosen to be 13 because it provides us the most accuracy.</a:t>
+            </a:r>
+          </a:p>
+          <a:p>
+            <a:pPr fontAlgn="base"/>
             <a:r>
               <a:rPr lang="en-US" dirty="0"/>
               <a:t>Test data evaluation shows that the KNN Classifier model with k = 13 is able to predict the price range with an accuracy of 92.62%. </a:t>
             </a:r>
-            <a:endParaRPr lang="en-IN" dirty="0"/>
           </a:p>
         </p:txBody>
       </p:sp>
@@ -5976,7 +5998,7 @@
         </p:nvSpPr>
         <p:spPr>
           <a:xfrm>
-            <a:off x="179512" y="620688"/>
+            <a:off x="166919" y="260648"/>
             <a:ext cx="8520600" cy="645000"/>
           </a:xfrm>
           <a:prstGeom prst="rect">
@@ -6241,19 +6263,7 @@
           <a:p>
             <a:pPr lvl="0"/>
             <a:r>
-              <a:rPr lang="en" sz="2900" dirty="0" smtClean="0">
-                <a:solidFill>
-                  <a:schemeClr val="tx1"/>
-                </a:solidFill>
-                <a:latin typeface="+mj-lt"/>
-                <a:ea typeface="Times New Roman"/>
-                <a:cs typeface="Times New Roman"/>
-                <a:sym typeface="Times New Roman"/>
-              </a:rPr>
-              <a:t>4.3. </a:t>
-            </a:r>
-            <a:r>
-              <a:rPr lang="en" sz="2800" dirty="0">
+              <a:rPr lang="en" sz="4400" dirty="0" smtClean="0">
                 <a:solidFill>
                   <a:srgbClr val="FFFFFF"/>
                 </a:solidFill>
@@ -6262,9 +6272,21 @@
                 <a:cs typeface="Times New Roman"/>
                 <a:sym typeface="Times New Roman"/>
               </a:rPr>
-              <a:t>Confusion Matrix of KNN Classifier model</a:t>
-            </a:r>
-            <a:endParaRPr sz="2900" dirty="0">
+              <a:t>Confusion </a:t>
+            </a:r>
+            <a:r>
+              <a:rPr lang="en" sz="4400" dirty="0">
+                <a:solidFill>
+                  <a:srgbClr val="FFFFFF"/>
+                </a:solidFill>
+                <a:latin typeface="Times New Roman"/>
+                <a:ea typeface="Times New Roman"/>
+                <a:cs typeface="Times New Roman"/>
+                <a:sym typeface="Times New Roman"/>
+              </a:rPr>
+              <a:t>Matrix of KNN Classifier model</a:t>
+            </a:r>
+            <a:endParaRPr sz="4400" dirty="0">
               <a:solidFill>
                 <a:schemeClr val="tx1"/>
               </a:solidFill>
@@ -6309,8 +6331,8 @@
         </p:nvSpPr>
         <p:spPr>
           <a:xfrm>
-            <a:off x="323528" y="5445224"/>
-            <a:ext cx="8280920" cy="1477328"/>
+            <a:off x="323528" y="5429100"/>
+            <a:ext cx="8280920" cy="1754326"/>
           </a:xfrm>
           <a:prstGeom prst="rect">
             <a:avLst/>
@@ -6323,14 +6345,44 @@
           </a:bodyPr>
           <a:lstStyle/>
           <a:p>
-            <a:pPr lvl="0"/>
+            <a:pPr marL="285750" lvl="0" indent="-285750">
+              <a:buFont typeface="Arial" pitchFamily="34" charset="0"/>
+              <a:buChar char="•"/>
+            </a:pPr>
             <a:r>
               <a:rPr lang="en-US" dirty="0">
                 <a:ea typeface="Times New Roman"/>
                 <a:cs typeface="Times New Roman"/>
                 <a:sym typeface="Times New Roman"/>
               </a:rPr>
-              <a:t>The Confusion Matrix is heavier in the diagonals, suggesting a pretty accurate model. The few inaccuracies are 1 price range apart, since sometimes companies can choose to overprice their phone based on brand value while some companies lower prices to eliminate the competition.</a:t>
+              <a:t>The Confusion Matrix is heavier in the diagonals, suggesting a pretty accurate model. </a:t>
+            </a:r>
+            <a:endParaRPr lang="en-US" dirty="0">
+              <a:ea typeface="Times New Roman"/>
+              <a:cs typeface="Times New Roman"/>
+              <a:sym typeface="Times New Roman"/>
+            </a:endParaRPr>
+          </a:p>
+          <a:p>
+            <a:pPr marL="285750" lvl="0" indent="-285750">
+              <a:buFont typeface="Arial" pitchFamily="34" charset="0"/>
+              <a:buChar char="•"/>
+            </a:pPr>
+            <a:r>
+              <a:rPr lang="en-US" dirty="0" smtClean="0">
+                <a:ea typeface="Times New Roman"/>
+                <a:cs typeface="Times New Roman"/>
+                <a:sym typeface="Times New Roman"/>
+              </a:rPr>
+              <a:t>The </a:t>
+            </a:r>
+            <a:r>
+              <a:rPr lang="en-US" dirty="0">
+                <a:ea typeface="Times New Roman"/>
+                <a:cs typeface="Times New Roman"/>
+                <a:sym typeface="Times New Roman"/>
+              </a:rPr>
+              <a:t>few inaccuracies are 1 price range apart, since sometimes companies can choose to overprice their phone based on brand value while some companies lower prices to eliminate the competition.</a:t>
             </a:r>
             <a:endParaRPr lang="en-US" b="1" dirty="0">
               <a:ea typeface="Times New Roman"/>
@@ -6410,13 +6462,7 @@
           </a:lstStyle>
           <a:p>
             <a:r>
-              <a:rPr lang="en-IN" dirty="0" smtClean="0">
-                <a:latin typeface="+mn-lt"/>
-              </a:rPr>
-              <a:t>5. </a:t>
-            </a:r>
-            <a:r>
-              <a:rPr lang="en" dirty="0">
+              <a:rPr lang="en" dirty="0" smtClean="0">
                 <a:solidFill>
                   <a:srgbClr val="FFFFFF"/>
                 </a:solidFill>
@@ -6425,7 +6471,19 @@
                 <a:cs typeface="Times New Roman"/>
                 <a:sym typeface="Times New Roman"/>
               </a:rPr>
-              <a:t>Predicting price range in test data</a:t>
+              <a:t>Predicting </a:t>
+            </a:r>
+            <a:r>
+              <a:rPr lang="en" dirty="0">
+                <a:solidFill>
+                  <a:srgbClr val="FFFFFF"/>
+                </a:solidFill>
+                <a:latin typeface="+mn-lt"/>
+                <a:ea typeface="Times New Roman"/>
+                <a:cs typeface="Times New Roman"/>
+                <a:sym typeface="Times New Roman"/>
+              </a:rPr>
+              <a:t>price range in test data</a:t>
             </a:r>
             <a:endParaRPr lang="en-IN" dirty="0">
               <a:latin typeface="+mn-lt"/>
@@ -6706,7 +6764,7 @@
             </a:lvl9pPr>
           </a:lstStyle>
           <a:p>
-            <a:pPr marL="0" lvl="0" indent="0">
+            <a:pPr marL="342900">
               <a:lnSpc>
                 <a:spcPct val="100000"/>
               </a:lnSpc>
@@ -6716,7 +6774,6 @@
               <a:spcAft>
                 <a:spcPts val="300"/>
               </a:spcAft>
-              <a:buNone/>
             </a:pPr>
             <a:r>
               <a:rPr lang="en" sz="2400" dirty="0">
@@ -6742,14 +6799,45 @@
               </a:rPr>
               <a:t>. </a:t>
             </a:r>
-            <a:r>
-              <a:rPr lang="en-US" sz="2400" dirty="0">
+            <a:endParaRPr lang="en" sz="2400" dirty="0" smtClean="0">
+              <a:solidFill>
+                <a:schemeClr val="tx1"/>
+              </a:solidFill>
+              <a:latin typeface="+mn-lt"/>
+              <a:ea typeface="Times New Roman"/>
+              <a:cs typeface="Times New Roman"/>
+              <a:sym typeface="Times New Roman"/>
+            </a:endParaRPr>
+          </a:p>
+          <a:p>
+            <a:pPr marL="342900">
+              <a:lnSpc>
+                <a:spcPct val="100000"/>
+              </a:lnSpc>
+              <a:spcBef>
+                <a:spcPts val="1200"/>
+              </a:spcBef>
+              <a:spcAft>
+                <a:spcPts val="300"/>
+              </a:spcAft>
+            </a:pPr>
+            <a:r>
+              <a:rPr lang="en-US" sz="2400" dirty="0" smtClean="0">
                 <a:solidFill>
                   <a:schemeClr val="tx1"/>
                 </a:solidFill>
                 <a:latin typeface="+mn-lt"/>
               </a:rPr>
-              <a:t>We read the test dataset into a </a:t>
+              <a:t>We </a:t>
+            </a:r>
+            <a:r>
+              <a:rPr lang="en-US" sz="2400" dirty="0">
+                <a:solidFill>
+                  <a:schemeClr val="tx1"/>
+                </a:solidFill>
+                <a:latin typeface="+mn-lt"/>
+              </a:rPr>
+              <a:t>read the test dataset into a </a:t>
             </a:r>
             <a:r>
               <a:rPr lang="en-US" sz="2400" dirty="0" err="1">
@@ -6836,7 +6924,7 @@
         </p:nvSpPr>
         <p:spPr>
           <a:xfrm>
-            <a:off x="331055" y="620688"/>
+            <a:off x="331055" y="298188"/>
             <a:ext cx="8520600" cy="645000"/>
           </a:xfrm>
           <a:prstGeom prst="rect">
@@ -7109,7 +7197,7 @@
               <a:buNone/>
             </a:pPr>
             <a:r>
-              <a:rPr lang="en" sz="2900" dirty="0" smtClean="0">
+              <a:rPr lang="en" sz="4400" dirty="0" smtClean="0">
                 <a:solidFill>
                   <a:srgbClr val="FFFFFF"/>
                 </a:solidFill>
@@ -7118,10 +7206,10 @@
                 <a:cs typeface="Times New Roman"/>
                 <a:sym typeface="Times New Roman"/>
               </a:rPr>
-              <a:t>5.1. Number </a:t>
-            </a:r>
-            <a:r>
-              <a:rPr lang="en" sz="2900" dirty="0">
+              <a:t>Number </a:t>
+            </a:r>
+            <a:r>
+              <a:rPr lang="en" sz="4400" dirty="0">
                 <a:solidFill>
                   <a:srgbClr val="FFFFFF"/>
                 </a:solidFill>
@@ -7132,7 +7220,7 @@
               </a:rPr>
               <a:t>of phones in each price range in test dataset</a:t>
             </a:r>
-            <a:endParaRPr sz="2900" dirty="0">
+            <a:endParaRPr sz="4400" dirty="0">
               <a:solidFill>
                 <a:srgbClr val="FFFFFF"/>
               </a:solidFill>
@@ -7163,7 +7251,10 @@
           </a:bodyPr>
           <a:lstStyle/>
           <a:p>
-            <a:pPr lvl="0"/>
+            <a:pPr marL="285750" lvl="0" indent="-285750">
+              <a:buFont typeface="Arial" pitchFamily="34" charset="0"/>
+              <a:buChar char="•"/>
+            </a:pPr>
             <a:r>
               <a:rPr lang="en-US" dirty="0">
                 <a:ea typeface="Times New Roman"/>
@@ -7190,7 +7281,10 @@
             </a:r>
           </a:p>
           <a:p>
-            <a:pPr lvl="0"/>
+            <a:pPr marL="285750" lvl="0" indent="-285750">
+              <a:buFont typeface="Arial" pitchFamily="34" charset="0"/>
+              <a:buChar char="•"/>
+            </a:pPr>
             <a:endParaRPr lang="en-US" dirty="0" smtClean="0">
               <a:ea typeface="Times New Roman"/>
               <a:cs typeface="Times New Roman"/>
@@ -7198,7 +7292,10 @@
             </a:endParaRPr>
           </a:p>
           <a:p>
-            <a:pPr lvl="0"/>
+            <a:pPr marL="285750" lvl="0" indent="-285750">
+              <a:buFont typeface="Arial" pitchFamily="34" charset="0"/>
+              <a:buChar char="•"/>
+            </a:pPr>
             <a:r>
               <a:rPr lang="en-US" dirty="0"/>
               <a:t>Except for price range 1, all the other ranges are very well distributed again. </a:t>
@@ -7210,6 +7307,10 @@
             </a:endParaRPr>
           </a:p>
           <a:p>
+            <a:pPr marL="285750" indent="-285750">
+              <a:buFont typeface="Arial" pitchFamily="34" charset="0"/>
+              <a:buChar char="•"/>
+            </a:pPr>
             <a:endParaRPr lang="en-US" dirty="0"/>
           </a:p>
         </p:txBody>
@@ -7282,7 +7383,7 @@
         </p:nvSpPr>
         <p:spPr>
           <a:xfrm>
-            <a:off x="311700" y="404664"/>
+            <a:off x="311700" y="82164"/>
             <a:ext cx="8520600" cy="645000"/>
           </a:xfrm>
           <a:prstGeom prst="rect">
@@ -7555,7 +7656,7 @@
               <a:buNone/>
             </a:pPr>
             <a:r>
-              <a:rPr lang="en" sz="2900" dirty="0" smtClean="0">
+              <a:rPr lang="en" sz="4000" dirty="0" smtClean="0">
                 <a:solidFill>
                   <a:srgbClr val="FFFFFF"/>
                 </a:solidFill>
@@ -7564,10 +7665,10 @@
                 <a:cs typeface="Times New Roman"/>
                 <a:sym typeface="Times New Roman"/>
               </a:rPr>
-              <a:t>5.2. Average </a:t>
-            </a:r>
-            <a:r>
-              <a:rPr lang="en" sz="2900" dirty="0">
+              <a:t>Average </a:t>
+            </a:r>
+            <a:r>
+              <a:rPr lang="en" sz="4000" dirty="0">
                 <a:solidFill>
                   <a:srgbClr val="FFFFFF"/>
                 </a:solidFill>
@@ -7578,7 +7679,7 @@
               </a:rPr>
               <a:t>RAM capacity of phones at different price ranges in test dataset</a:t>
             </a:r>
-            <a:endParaRPr sz="2900" b="0" dirty="0">
+            <a:endParaRPr sz="4000" b="0" dirty="0">
               <a:solidFill>
                 <a:srgbClr val="FFFFFF"/>
               </a:solidFill>
@@ -7598,7 +7699,7 @@
               </a:spcAft>
               <a:buNone/>
             </a:pPr>
-            <a:endParaRPr sz="2900" dirty="0">
+            <a:endParaRPr sz="4000" dirty="0">
               <a:latin typeface="+mj-lt"/>
             </a:endParaRPr>
           </a:p>
@@ -7877,11 +7978,10 @@
             </a:lvl9pPr>
           </a:lstStyle>
           <a:p>
-            <a:pPr marL="0" lvl="0" indent="0">
+            <a:pPr marL="285750" indent="-285750">
               <a:lnSpc>
                 <a:spcPct val="100000"/>
               </a:lnSpc>
-              <a:buNone/>
             </a:pPr>
             <a:r>
               <a:rPr lang="en" dirty="0">
@@ -7905,52 +8005,7 @@
                 <a:cs typeface="Times New Roman"/>
                 <a:sym typeface="Times New Roman"/>
               </a:rPr>
-              <a:t>. </a:t>
-            </a:r>
-            <a:r>
-              <a:rPr lang="en-US" dirty="0">
-                <a:solidFill>
-                  <a:schemeClr val="tx1"/>
-                </a:solidFill>
-                <a:latin typeface="+mn-lt"/>
-              </a:rPr>
-              <a:t>As earlier, we find the average RAM capacity of phones in each price range using mean() from pandas and </a:t>
-            </a:r>
-            <a:r>
-              <a:rPr lang="en-US" dirty="0" err="1">
-                <a:solidFill>
-                  <a:schemeClr val="tx1"/>
-                </a:solidFill>
-                <a:latin typeface="+mn-lt"/>
-              </a:rPr>
-              <a:t>barh</a:t>
-            </a:r>
-            <a:r>
-              <a:rPr lang="en-US" dirty="0">
-                <a:solidFill>
-                  <a:schemeClr val="tx1"/>
-                </a:solidFill>
-                <a:latin typeface="+mn-lt"/>
-              </a:rPr>
-              <a:t>() from </a:t>
-            </a:r>
-            <a:r>
-              <a:rPr lang="en-US" dirty="0" err="1">
-                <a:solidFill>
-                  <a:schemeClr val="tx1"/>
-                </a:solidFill>
-                <a:latin typeface="+mn-lt"/>
-              </a:rPr>
-              <a:t>matplotlib</a:t>
-            </a:r>
-            <a:r>
-              <a:rPr lang="en-US" dirty="0">
-                <a:solidFill>
-                  <a:schemeClr val="tx1"/>
-                </a:solidFill>
-                <a:latin typeface="+mn-lt"/>
-              </a:rPr>
-              <a:t>. </a:t>
+              <a:t>.</a:t>
             </a:r>
             <a:endParaRPr dirty="0">
               <a:solidFill>
@@ -8011,11 +8066,14 @@
           </a:bodyPr>
           <a:lstStyle/>
           <a:p>
+            <a:pPr marL="285750" indent="-285750">
+              <a:buFont typeface="Arial" pitchFamily="34" charset="0"/>
+              <a:buChar char="•"/>
+            </a:pPr>
             <a:r>
               <a:rPr lang="en-US" dirty="0"/>
               <a:t>The average RAM capacity for each price range in test dataset is almost the same as that of testing dataset, so we can safely conclude that our model is working pretty well. </a:t>
             </a:r>
-            <a:endParaRPr lang="en-US" dirty="0"/>
           </a:p>
         </p:txBody>
       </p:sp>
@@ -8058,7 +8116,7 @@
         <p:spPr>
           <a:xfrm>
             <a:off x="827584" y="692696"/>
-            <a:ext cx="4263411" cy="769441"/>
+            <a:ext cx="3699154" cy="769441"/>
           </a:xfrm>
           <a:prstGeom prst="rect">
             <a:avLst/>
@@ -8075,7 +8133,13 @@
               <a:rPr lang="en-US" sz="4400" b="1" dirty="0" smtClean="0">
                 <a:latin typeface="+mj-lt"/>
               </a:rPr>
-              <a:t>6. FUTURE SCOPE</a:t>
+              <a:t>FUTURE </a:t>
+            </a:r>
+            <a:r>
+              <a:rPr lang="en-US" sz="4400" b="1" dirty="0" smtClean="0">
+                <a:latin typeface="+mj-lt"/>
+              </a:rPr>
+              <a:t>SCOPE</a:t>
             </a:r>
             <a:endParaRPr lang="en-US" sz="4400" b="1" dirty="0">
               <a:latin typeface="+mj-lt"/>
@@ -8092,7 +8156,7 @@
         <p:spPr>
           <a:xfrm>
             <a:off x="683568" y="2348880"/>
-            <a:ext cx="7560840" cy="3046988"/>
+            <a:ext cx="7560840" cy="3785652"/>
           </a:xfrm>
           <a:prstGeom prst="rect">
             <a:avLst/>
@@ -8105,11 +8169,44 @@
           </a:bodyPr>
           <a:lstStyle/>
           <a:p>
+            <a:pPr marL="342900" indent="-342900">
+              <a:buFont typeface="Arial" pitchFamily="34" charset="0"/>
+              <a:buChar char="•"/>
+            </a:pPr>
             <a:r>
               <a:rPr lang="en-US" sz="2400" dirty="0"/>
-              <a:t>The accuracy of our KNN classifier is 92.62%, but the accuracy can be improved by using advanced AI tools such as Convolution Neural Network (CNN). To achieve maximum accuracy and predict more accurate, more and more instances should be added to the data set. And selecting more appropriate features can also increase the accuracy. So data set should be large and more appropriate features should be selected to achieve higher accuracy. [4] </a:t>
-            </a:r>
-            <a:endParaRPr lang="en-US" sz="2400" dirty="0"/>
+              <a:t>The accuracy of our KNN classifier is 92.62%, but the accuracy can be improved by using advanced AI tools such as Convolution Neural Network (CNN). </a:t>
+            </a:r>
+            <a:endParaRPr lang="en-US" sz="2400" dirty="0" smtClean="0"/>
+          </a:p>
+          <a:p>
+            <a:pPr marL="342900" indent="-342900">
+              <a:buFont typeface="Arial" pitchFamily="34" charset="0"/>
+              <a:buChar char="•"/>
+            </a:pPr>
+            <a:r>
+              <a:rPr lang="en-US" sz="2400" dirty="0" smtClean="0"/>
+              <a:t>To </a:t>
+            </a:r>
+            <a:r>
+              <a:rPr lang="en-US" sz="2400" dirty="0"/>
+              <a:t>achieve maximum accuracy and predict more accurate, more and more instances should be added to the data set. </a:t>
+            </a:r>
+            <a:endParaRPr lang="en-US" sz="2400" dirty="0" smtClean="0"/>
+          </a:p>
+          <a:p>
+            <a:pPr marL="342900" indent="-342900">
+              <a:buFont typeface="Arial" pitchFamily="34" charset="0"/>
+              <a:buChar char="•"/>
+            </a:pPr>
+            <a:r>
+              <a:rPr lang="en-US" sz="2400" dirty="0" smtClean="0"/>
+              <a:t>And </a:t>
+            </a:r>
+            <a:r>
+              <a:rPr lang="en-US" sz="2400" dirty="0"/>
+              <a:t>selecting more appropriate features can also increase the accuracy. So data set should be large and more appropriate features should be selected to achieve higher accuracy. [4] </a:t>
+            </a:r>
           </a:p>
         </p:txBody>
       </p:sp>
@@ -8152,7 +8249,7 @@
         <p:spPr>
           <a:xfrm>
             <a:off x="424469" y="1191005"/>
-            <a:ext cx="3676904" cy="769441"/>
+            <a:ext cx="3112647" cy="769441"/>
           </a:xfrm>
           <a:prstGeom prst="rect">
             <a:avLst/>
@@ -8169,7 +8266,7 @@
               <a:rPr lang="en-US" sz="4400" b="1" dirty="0" smtClean="0">
                 <a:latin typeface="+mj-lt"/>
               </a:rPr>
-              <a:t>7. REFERENCES</a:t>
+              <a:t>REFERENCES</a:t>
             </a:r>
             <a:endParaRPr lang="en-US" sz="4400" b="1" dirty="0">
               <a:latin typeface="+mj-lt"/>
@@ -8269,7 +8366,6 @@
               <a:rPr lang="en-US" sz="2000" dirty="0"/>
               <a:t> Khan, IJCA, Pg. 11 </a:t>
             </a:r>
-            <a:endParaRPr lang="en-US" sz="2000" dirty="0"/>
           </a:p>
         </p:txBody>
       </p:sp>
@@ -8320,7 +8416,7 @@
           <a:p>
             <a:r>
               <a:rPr lang="en-IN" dirty="0" smtClean="0"/>
-              <a:t>1. INTRODUCTION</a:t>
+              <a:t>INTRODUCTION</a:t>
             </a:r>
             <a:endParaRPr lang="en-IN" dirty="0"/>
           </a:p>
@@ -8339,7 +8435,7 @@
         <p:spPr/>
         <p:txBody>
           <a:bodyPr>
-            <a:normAutofit fontScale="62500" lnSpcReduction="20000"/>
+            <a:normAutofit fontScale="70000" lnSpcReduction="20000"/>
           </a:bodyPr>
           <a:lstStyle/>
           <a:p>
@@ -8348,22 +8444,45 @@
             </a:pPr>
             <a:r>
               <a:rPr lang="en-IN" sz="4600" dirty="0" smtClean="0"/>
-              <a:t>1.1. MOTIVATION</a:t>
-            </a:r>
-          </a:p>
-          <a:p>
+              <a:t>MOTIVATION</a:t>
+            </a:r>
+            <a:endParaRPr lang="en-IN" sz="4600" dirty="0" smtClean="0"/>
+          </a:p>
+          <a:p>
+            <a:pPr fontAlgn="base"/>
+            <a:r>
+              <a:rPr lang="en-US" dirty="0" smtClean="0"/>
+              <a:t>With </a:t>
+            </a:r>
             <a:r>
               <a:rPr lang="en-US" dirty="0"/>
-              <a:t>Mobile phone is a device which was invented as a compact alternative to telephones. It has since evolved to the point that we not only have smartphones, but we also cannot imagine life without a mobile. With time, many companies have started manufacturing mobiles, each with their own set of features and price. With so many mobile brands, models and features to choose from, we are left confused to which phone we must buy. We are torn in anxiety, are we receiving the right value for our money? This is where this project comes in, we take a dataset of mobile phones and their features along with a price range. We create a Machine Learning model to predict the price range of a mobile based on its feature, using the data of the previous mobile phones in our dataset. </a:t>
-            </a:r>
-            <a:endParaRPr lang="en-IN" dirty="0"/>
-          </a:p>
-          <a:p>
+              <a:t>so many mobile brands, models and features to choose from, we are left confused to which phone we must buy. We are torn in anxiety, are we receiving the right value for our money? </a:t>
+            </a:r>
+          </a:p>
+          <a:p>
+            <a:pPr fontAlgn="base"/>
+            <a:r>
+              <a:rPr lang="en-US" dirty="0"/>
+              <a:t>This is where this project comes in, we take a dataset of mobile phones and their features along with a price range.</a:t>
+            </a:r>
+          </a:p>
+          <a:p>
+            <a:pPr fontAlgn="base"/>
+            <a:r>
+              <a:rPr lang="en-US" dirty="0" smtClean="0"/>
+              <a:t>We </a:t>
+            </a:r>
+            <a:r>
+              <a:rPr lang="en-US" dirty="0"/>
+              <a:t>create a Machine Learning model to predict the price range of a mobile based on its feature, using the data of the previous mobile phones in our dataset. </a:t>
+            </a:r>
+          </a:p>
+          <a:p>
+            <a:pPr fontAlgn="base"/>
             <a:r>
               <a:rPr lang="en-US" dirty="0"/>
               <a:t>The models we use are: Linear Regression, Logistic Regression, Random Forest Classifier and KNN Classifier. We check the accuracy for each and choose the model with the most accuracy.</a:t>
             </a:r>
-            <a:endParaRPr lang="en-IN" dirty="0"/>
           </a:p>
           <a:p>
             <a:endParaRPr lang="en-IN" dirty="0"/>
@@ -8418,321 +8537,52 @@
         </p:spPr>
         <p:txBody>
           <a:bodyPr>
-            <a:normAutofit fontScale="25000" lnSpcReduction="20000"/>
+            <a:normAutofit fontScale="47500" lnSpcReduction="20000"/>
           </a:bodyPr>
           <a:lstStyle/>
           <a:p>
+            <a:pPr marL="0" indent="0" algn="ctr">
+              <a:buNone/>
+            </a:pPr>
+            <a:r>
+              <a:rPr lang="en-IN" sz="9300" dirty="0" smtClean="0"/>
+              <a:t>BACKGROUND</a:t>
+            </a:r>
+          </a:p>
+          <a:p>
             <a:pPr marL="0" indent="0">
               <a:buNone/>
             </a:pPr>
-            <a:r>
-              <a:rPr lang="en-IN" sz="11200" dirty="0" smtClean="0"/>
-              <a:t>1.2. </a:t>
-            </a:r>
-            <a:r>
-              <a:rPr lang="en-IN" sz="11600" dirty="0" smtClean="0"/>
-              <a:t>BACKGROUND</a:t>
-            </a:r>
-          </a:p>
-          <a:p>
-            <a:pPr marL="0" indent="0">
-              <a:buNone/>
-            </a:pPr>
-            <a:r>
-              <a:rPr lang="en-US" sz="5600" dirty="0"/>
-              <a:t>In our dataset, we have a train file and a test file. But the test file has no data for price range, so we have to split the training data into training data and testing data to find the accuracy of the models. We will use the test dataset to predict the price range of those mobiles and compare some features with the training dataset to check if our model works as expected. Let's take this opportunity to explore the columns in the dataset: [2]</a:t>
-            </a:r>
-            <a:endParaRPr lang="en-IN" sz="5600" dirty="0"/>
-          </a:p>
-          <a:p>
-            <a:pPr lvl="0"/>
-            <a:r>
-              <a:rPr lang="en-US" sz="5600" dirty="0" err="1"/>
-              <a:t>battery_power</a:t>
-            </a:r>
-            <a:r>
-              <a:rPr lang="en-US" sz="5600" dirty="0"/>
-              <a:t> - The total energy that can be stored by the mobile battery, in </a:t>
-            </a:r>
-            <a:r>
-              <a:rPr lang="en-US" sz="5600" dirty="0" err="1"/>
-              <a:t>mAh</a:t>
-            </a:r>
-            <a:endParaRPr lang="en-IN" sz="5600" dirty="0"/>
-          </a:p>
-          <a:p>
-            <a:pPr lvl="0"/>
-            <a:r>
-              <a:rPr lang="en-US" sz="5600" dirty="0"/>
-              <a:t>blue - Indicates whether the phone has </a:t>
-            </a:r>
-            <a:r>
-              <a:rPr lang="en-US" sz="5600" dirty="0" err="1"/>
-              <a:t>bluetooth</a:t>
-            </a:r>
-            <a:r>
-              <a:rPr lang="en-US" sz="5600" dirty="0"/>
-              <a:t> or not(0 for no, 1 for yes)</a:t>
-            </a:r>
-            <a:endParaRPr lang="en-IN" sz="5600" dirty="0"/>
-          </a:p>
-          <a:p>
-            <a:pPr lvl="0"/>
-            <a:r>
-              <a:rPr lang="en-US" sz="5600" dirty="0" err="1"/>
-              <a:t>clock_speed</a:t>
-            </a:r>
-            <a:r>
-              <a:rPr lang="en-US" sz="5600" dirty="0"/>
-              <a:t> - The speed at which the mobile processor runs</a:t>
-            </a:r>
-            <a:endParaRPr lang="en-IN" sz="5600" dirty="0"/>
-          </a:p>
-          <a:p>
-            <a:pPr lvl="0"/>
-            <a:r>
-              <a:rPr lang="en-US" sz="5600" dirty="0" err="1"/>
-              <a:t>dual_sum</a:t>
-            </a:r>
-            <a:r>
-              <a:rPr lang="en-US" sz="5600" dirty="0"/>
-              <a:t> - Indicates whether the phone has dual </a:t>
-            </a:r>
-            <a:r>
-              <a:rPr lang="en-US" sz="5600" dirty="0" err="1"/>
-              <a:t>sim</a:t>
-            </a:r>
-            <a:r>
-              <a:rPr lang="en-US" sz="5600" dirty="0"/>
-              <a:t> support or not(0 for no, 1 for yes)</a:t>
-            </a:r>
-            <a:endParaRPr lang="en-IN" sz="5600" dirty="0"/>
-          </a:p>
-          <a:p>
-            <a:pPr lvl="0"/>
-            <a:r>
-              <a:rPr lang="en-US" sz="5600" dirty="0"/>
-              <a:t>fc - The megapixels of the front camera</a:t>
-            </a:r>
-            <a:endParaRPr lang="en-IN" sz="5600" dirty="0"/>
-          </a:p>
-          <a:p>
-            <a:pPr lvl="0"/>
-            <a:r>
-              <a:rPr lang="en-US" sz="5600" dirty="0" err="1"/>
-              <a:t>four_g</a:t>
-            </a:r>
-            <a:r>
-              <a:rPr lang="en-US" sz="5600" dirty="0"/>
-              <a:t> - Indicates whether the phone has 4G support or not(0 for no, 1 for yes)</a:t>
-            </a:r>
-            <a:endParaRPr lang="en-IN" sz="5600" dirty="0"/>
-          </a:p>
-          <a:p>
-            <a:pPr lvl="0"/>
-            <a:r>
-              <a:rPr lang="en-US" sz="5600" dirty="0" err="1"/>
-              <a:t>int_memory</a:t>
-            </a:r>
-            <a:r>
-              <a:rPr lang="en-US" sz="5600" dirty="0"/>
-              <a:t> - Internal memory of the phone, in GB</a:t>
-            </a:r>
-            <a:endParaRPr lang="en-IN" sz="5600" dirty="0"/>
-          </a:p>
-          <a:p>
-            <a:pPr lvl="0"/>
-            <a:r>
-              <a:rPr lang="en-US" sz="5600" dirty="0" err="1"/>
-              <a:t>m_dep</a:t>
-            </a:r>
-            <a:r>
-              <a:rPr lang="en-US" sz="5600" dirty="0"/>
-              <a:t> - Depth of mobile, in cm</a:t>
-            </a:r>
-            <a:endParaRPr lang="en-IN" sz="5600" dirty="0"/>
-          </a:p>
-          <a:p>
-            <a:pPr lvl="0"/>
-            <a:r>
-              <a:rPr lang="en-US" sz="5600" dirty="0" err="1"/>
-              <a:t>mobile_wt</a:t>
-            </a:r>
-            <a:r>
-              <a:rPr lang="en-US" sz="5600" dirty="0"/>
-              <a:t> - Weight of mobile, in grams</a:t>
-            </a:r>
-            <a:endParaRPr lang="en-IN" sz="5600" dirty="0"/>
-          </a:p>
-          <a:p>
-            <a:pPr lvl="0"/>
-            <a:r>
-              <a:rPr lang="en-US" sz="5600" dirty="0" err="1"/>
-              <a:t>n_cores</a:t>
-            </a:r>
-            <a:r>
-              <a:rPr lang="en-US" sz="5600" dirty="0"/>
-              <a:t> - Number of cores of mobile processor</a:t>
-            </a:r>
-            <a:endParaRPr lang="en-IN" sz="5600" dirty="0"/>
-          </a:p>
-          <a:p>
-            <a:pPr lvl="0"/>
-            <a:r>
-              <a:rPr lang="en-US" sz="5600" dirty="0"/>
-              <a:t>pc - The megapixels of the primary or back camera</a:t>
-            </a:r>
-            <a:endParaRPr lang="en-IN" sz="5600" dirty="0"/>
-          </a:p>
-          <a:p>
-            <a:pPr lvl="0"/>
-            <a:r>
-              <a:rPr lang="en-US" sz="5600" dirty="0" err="1"/>
-              <a:t>px_height</a:t>
-            </a:r>
-            <a:r>
-              <a:rPr lang="en-US" sz="5600" dirty="0"/>
-              <a:t> - Pixel resolution height</a:t>
-            </a:r>
-            <a:endParaRPr lang="en-IN" sz="5600" dirty="0"/>
-          </a:p>
-          <a:p>
-            <a:pPr lvl="0"/>
-            <a:r>
-              <a:rPr lang="en-US" sz="5600" dirty="0" err="1"/>
-              <a:t>px_width</a:t>
-            </a:r>
-            <a:r>
-              <a:rPr lang="en-US" sz="5600" dirty="0"/>
-              <a:t> - Pixel resolution width</a:t>
-            </a:r>
-            <a:endParaRPr lang="en-IN" sz="5600" dirty="0"/>
-          </a:p>
-          <a:p>
-            <a:pPr lvl="0"/>
-            <a:r>
-              <a:rPr lang="en-US" sz="5600" dirty="0"/>
-              <a:t>ram - RAM capacity, in MB</a:t>
-            </a:r>
-            <a:endParaRPr lang="en-IN" sz="5600" dirty="0"/>
-          </a:p>
-          <a:p>
-            <a:pPr lvl="0"/>
-            <a:r>
-              <a:rPr lang="en-US" sz="5600" dirty="0" err="1"/>
-              <a:t>sc_h</a:t>
-            </a:r>
-            <a:r>
-              <a:rPr lang="en-US" sz="5600" dirty="0"/>
-              <a:t> - Screen height</a:t>
-            </a:r>
-            <a:endParaRPr lang="en-IN" sz="5600" dirty="0"/>
-          </a:p>
-          <a:p>
-            <a:pPr lvl="0"/>
-            <a:r>
-              <a:rPr lang="en-US" sz="5600" dirty="0" err="1"/>
-              <a:t>sc_w</a:t>
-            </a:r>
-            <a:r>
-              <a:rPr lang="en-US" sz="5600" dirty="0"/>
-              <a:t> - Screen width</a:t>
-            </a:r>
-            <a:endParaRPr lang="en-IN" sz="5600" dirty="0"/>
-          </a:p>
-          <a:p>
-            <a:pPr lvl="0"/>
-            <a:r>
-              <a:rPr lang="en-US" sz="5600" dirty="0" err="1"/>
-              <a:t>talktime</a:t>
-            </a:r>
-            <a:r>
-              <a:rPr lang="en-US" sz="5600" dirty="0"/>
-              <a:t> - The longest time that one battery charge will last</a:t>
-            </a:r>
-            <a:endParaRPr lang="en-IN" sz="5600" dirty="0"/>
-          </a:p>
-          <a:p>
-            <a:pPr lvl="0"/>
-            <a:r>
-              <a:rPr lang="en-US" sz="5600" dirty="0" err="1"/>
-              <a:t>three_g</a:t>
-            </a:r>
-            <a:r>
-              <a:rPr lang="en-US" sz="5600" dirty="0"/>
-              <a:t> - Indicates whether the phone has 3G support or not(0 for no, 1 for yes)</a:t>
-            </a:r>
-            <a:endParaRPr lang="en-IN" sz="5600" dirty="0"/>
-          </a:p>
-          <a:p>
-            <a:pPr lvl="0"/>
-            <a:r>
-              <a:rPr lang="en-US" sz="5600" dirty="0" err="1"/>
-              <a:t>touch_screen</a:t>
-            </a:r>
-            <a:r>
-              <a:rPr lang="en-US" sz="5600" dirty="0"/>
-              <a:t> - Indicates whether the phone has touchscreen or not(0 for no, 1 for yes)</a:t>
-            </a:r>
-            <a:endParaRPr lang="en-IN" sz="5600" dirty="0"/>
-          </a:p>
-          <a:p>
-            <a:pPr lvl="0"/>
-            <a:r>
-              <a:rPr lang="en-US" sz="5600" dirty="0" err="1"/>
-              <a:t>wifi</a:t>
-            </a:r>
-            <a:r>
-              <a:rPr lang="en-US" sz="5600" dirty="0"/>
-              <a:t> - Indicates whether the phone has </a:t>
-            </a:r>
-            <a:r>
-              <a:rPr lang="en-US" sz="5600" dirty="0" err="1"/>
-              <a:t>WiFi</a:t>
-            </a:r>
-            <a:r>
-              <a:rPr lang="en-US" sz="5600" dirty="0"/>
-              <a:t> support or not(0 for no, 1 for yes)</a:t>
-            </a:r>
-            <a:endParaRPr lang="en-IN" sz="5600" dirty="0"/>
-          </a:p>
-          <a:p>
-            <a:pPr lvl="0"/>
-            <a:r>
-              <a:rPr lang="en-US" sz="5600" dirty="0" err="1"/>
+            <a:endParaRPr lang="en-IN" sz="6700" dirty="0" smtClean="0"/>
+          </a:p>
+          <a:p>
+            <a:r>
+              <a:rPr lang="en-US" sz="5600" dirty="0" smtClean="0"/>
+              <a:t>In our dataset, we have a train file and a test file. But the test file has no data for price range, so we have to split the training data into training data and testing data to find the accuracy of the models. We will use the test dataset to predict the price range of those mobiles and compare some features with the training dataset to check if our model works as expected.</a:t>
+            </a:r>
+          </a:p>
+          <a:p>
+            <a:r>
+              <a:rPr lang="en-US" sz="5600" dirty="0" smtClean="0"/>
+              <a:t>The training dataset has 2000 rows, with 21 features. The testing dataset has 1000 rows, with 20 features. The testing dataset does not include </a:t>
+            </a:r>
+            <a:r>
+              <a:rPr lang="en-US" sz="5600" dirty="0" err="1" smtClean="0"/>
               <a:t>price_range</a:t>
             </a:r>
             <a:r>
-              <a:rPr lang="en-US" sz="5600" dirty="0"/>
-              <a:t> - Indicates the price range the mobile belongs to(0 for cheap, 1 for average, 2 for expensive, 3 for very expensive)</a:t>
-            </a:r>
-            <a:endParaRPr lang="en-IN" sz="5600" dirty="0"/>
-          </a:p>
-          <a:p>
-            <a:pPr marL="0" indent="0">
-              <a:buNone/>
-            </a:pPr>
-            <a:r>
-              <a:rPr lang="en-US" sz="5600" dirty="0"/>
-              <a:t>The training dataset has 2000 rows, with 21 features. The testing dataset has 1000 rows, with 20 features. The testing dataset does not include </a:t>
-            </a:r>
-            <a:r>
-              <a:rPr lang="en-US" sz="5600" dirty="0" err="1"/>
+              <a:rPr lang="en-US" sz="5600" dirty="0" smtClean="0"/>
+              <a:t>, so we will use our model to predict </a:t>
+            </a:r>
+            <a:r>
+              <a:rPr lang="en-US" sz="5600" dirty="0" err="1" smtClean="0"/>
               <a:t>price_range</a:t>
             </a:r>
             <a:r>
-              <a:rPr lang="en-US" sz="5600" dirty="0"/>
-              <a:t>, so we will use our model to predict </a:t>
-            </a:r>
-            <a:r>
-              <a:rPr lang="en-US" sz="5600" dirty="0" err="1"/>
-              <a:t>price_range</a:t>
-            </a:r>
-            <a:r>
-              <a:rPr lang="en-US" sz="5600" dirty="0"/>
+              <a:rPr lang="en-US" sz="5600" dirty="0" smtClean="0"/>
               <a:t>.</a:t>
             </a:r>
-            <a:endParaRPr lang="en-IN" sz="5600" dirty="0"/>
+            <a:endParaRPr lang="en-IN" sz="5600" dirty="0" smtClean="0"/>
           </a:p>
           <a:p>
             <a:endParaRPr lang="en-IN" sz="4800" dirty="0"/>
@@ -8937,10 +8787,14 @@
           </a:lstStyle>
           <a:p>
             <a:r>
-              <a:rPr lang="en-IN" sz="2900" dirty="0" smtClean="0"/>
-              <a:t>1.3. SUMMARY OF PREVIOUS WORK</a:t>
-            </a:r>
-            <a:endParaRPr lang="en-IN" sz="2900" dirty="0"/>
+              <a:rPr lang="en-IN" dirty="0" smtClean="0"/>
+              <a:t>SUMMARY </a:t>
+            </a:r>
+            <a:r>
+              <a:rPr lang="en-IN" dirty="0" smtClean="0"/>
+              <a:t>OF PREVIOUS WORK</a:t>
+            </a:r>
+            <a:endParaRPr lang="en-IN" dirty="0"/>
           </a:p>
         </p:txBody>
       </p:sp>
@@ -8953,7 +8807,7 @@
         <p:spPr>
           <a:xfrm>
             <a:off x="755576" y="1340768"/>
-            <a:ext cx="7848872" cy="3785652"/>
+            <a:ext cx="7848872" cy="4154984"/>
           </a:xfrm>
           <a:prstGeom prst="rect">
             <a:avLst/>
@@ -8966,6 +8820,10 @@
           </a:bodyPr>
           <a:lstStyle/>
           <a:p>
+            <a:pPr marL="342900" indent="-342900">
+              <a:buFont typeface="Arial" pitchFamily="34" charset="0"/>
+              <a:buChar char="•"/>
+            </a:pPr>
             <a:r>
               <a:rPr lang="en-US" sz="2400" dirty="0"/>
               <a:t>The previous work on this dataset can be found at </a:t>
@@ -8982,9 +8840,35 @@
               <a:rPr lang="en-US" sz="2400" dirty="0" smtClean="0"/>
               <a:t>]. </a:t>
             </a:r>
+            <a:endParaRPr lang="en-US" sz="2400" dirty="0" smtClean="0"/>
+          </a:p>
+          <a:p>
+            <a:pPr marL="342900" indent="-342900">
+              <a:buFont typeface="Arial" pitchFamily="34" charset="0"/>
+              <a:buChar char="•"/>
+            </a:pPr>
+            <a:r>
+              <a:rPr lang="en-US" sz="2400" dirty="0" smtClean="0"/>
+              <a:t>In </a:t>
+            </a:r>
             <a:r>
               <a:rPr lang="en-US" sz="2400" dirty="0"/>
-              <a:t>In our project, we try to use simpler models that can be explained easily and have similar accuracy as the models used earlier. We also try to find a feature that has a high impact on price. For the feature, we find average values in every price range in the training dataset and keep it noted. We predict the price range for every phone in testing dataset, and find average values for the feature in every price range and compare the values. We also try to explain some features that appear ambiguous for different price ranges. </a:t>
+              <a:t>our project, we try to use simpler models that can be explained easily and have similar accuracy as the models used earlier. </a:t>
+            </a:r>
+            <a:endParaRPr lang="en-US" sz="2400" dirty="0" smtClean="0"/>
+          </a:p>
+          <a:p>
+            <a:pPr marL="342900" indent="-342900">
+              <a:buFont typeface="Arial" pitchFamily="34" charset="0"/>
+              <a:buChar char="•"/>
+            </a:pPr>
+            <a:r>
+              <a:rPr lang="en-US" sz="2400" dirty="0" smtClean="0"/>
+              <a:t>We </a:t>
+            </a:r>
+            <a:r>
+              <a:rPr lang="en-US" sz="2400" dirty="0"/>
+              <a:t>also try to find a feature that has a high impact on price. For the feature, we find average values in every price range in the training dataset and keep it noted. We predict the price range for every phone in testing dataset, and find average values for the feature in every price range and compare the values. </a:t>
             </a:r>
           </a:p>
         </p:txBody>
@@ -9221,11 +9105,16 @@
           </a:bodyPr>
           <a:lstStyle/>
           <a:p>
-            <a:r>
-              <a:rPr lang="en-IN" sz="2900" dirty="0" smtClean="0"/>
-              <a:t>1.4. SOFTWARES USED</a:t>
-            </a:r>
-            <a:endParaRPr lang="en-IN" sz="2900" dirty="0"/>
+            <a:pPr algn="ctr"/>
+            <a:r>
+              <a:rPr lang="en-IN" sz="4400" dirty="0" smtClean="0"/>
+              <a:t>SOFTWARES </a:t>
+            </a:r>
+            <a:r>
+              <a:rPr lang="en-IN" sz="4400" dirty="0" smtClean="0"/>
+              <a:t>USED</a:t>
+            </a:r>
+            <a:endParaRPr lang="en-IN" sz="4400" dirty="0"/>
           </a:p>
         </p:txBody>
       </p:sp>
@@ -9283,7 +9172,7 @@
           <a:p>
             <a:r>
               <a:rPr lang="en-IN" sz="4400" dirty="0" smtClean="0"/>
-              <a:t>2. PREPROCESSING</a:t>
+              <a:t>PREPROCESSING</a:t>
             </a:r>
             <a:endParaRPr lang="en-IN" sz="4400" dirty="0"/>
           </a:p>
@@ -9307,21 +9196,14 @@
         </p:spPr>
         <p:txBody>
           <a:bodyPr>
-            <a:normAutofit fontScale="92500" lnSpcReduction="20000"/>
+            <a:normAutofit/>
           </a:bodyPr>
           <a:lstStyle/>
           <a:p>
-            <a:r>
-              <a:rPr lang="en-US" sz="3200" dirty="0" smtClean="0"/>
-              <a:t>2.1. Loading </a:t>
-            </a:r>
-            <a:r>
-              <a:rPr lang="en-US" sz="3200" dirty="0"/>
-              <a:t>the dataset and cleaning </a:t>
-            </a:r>
-            <a:endParaRPr lang="en-US" sz="2900" dirty="0" smtClean="0"/>
-          </a:p>
-          <a:p>
+            <a:pPr marL="342900" indent="-342900">
+              <a:buFont typeface="Arial" pitchFamily="34" charset="0"/>
+              <a:buChar char="•"/>
+            </a:pPr>
             <a:r>
               <a:rPr lang="en-US" sz="2000" dirty="0" smtClean="0"/>
               <a:t>Since </a:t>
@@ -9352,7 +9234,15 @@
             </a:r>
             <a:r>
               <a:rPr lang="en-US" sz="2000" dirty="0"/>
-              <a:t>. Cleaning a dataset is removing rows where one or more columns have null values, so we need to find if any column has null values. We do that by using info() on our </a:t>
+              <a:t>. </a:t>
+            </a:r>
+            <a:r>
+              <a:rPr lang="en-US" sz="2000" dirty="0" smtClean="0"/>
+              <a:t>We use </a:t>
+            </a:r>
+            <a:r>
+              <a:rPr lang="en-US" sz="2000" dirty="0"/>
+              <a:t>info() on our </a:t>
             </a:r>
             <a:r>
               <a:rPr lang="en-US" sz="2000" dirty="0" err="1"/>
@@ -9368,12 +9258,24 @@
             </a:r>
           </a:p>
           <a:p>
+            <a:pPr marL="342900" indent="-342900">
+              <a:buFont typeface="Arial" pitchFamily="34" charset="0"/>
+              <a:buChar char="•"/>
+            </a:pPr>
             <a:endParaRPr lang="en-US" sz="2000" dirty="0"/>
           </a:p>
           <a:p>
+            <a:pPr marL="342900" indent="-342900">
+              <a:buFont typeface="Arial" pitchFamily="34" charset="0"/>
+              <a:buChar char="•"/>
+            </a:pPr>
             <a:endParaRPr lang="en-US" sz="2000" dirty="0" smtClean="0"/>
           </a:p>
           <a:p>
+            <a:pPr marL="342900" indent="-342900">
+              <a:buFont typeface="Arial" pitchFamily="34" charset="0"/>
+              <a:buChar char="•"/>
+            </a:pPr>
             <a:r>
               <a:rPr lang="en-US" sz="2000" dirty="0"/>
               <a:t>All the columns have 2000 non-null values, so the dataset does not need any cleaning. Hence we can proceed without much preprocessing. </a:t>
@@ -9458,7 +9360,7 @@
         <p:spPr>
           <a:xfrm>
             <a:off x="611560" y="260648"/>
-            <a:ext cx="7704856" cy="1162050"/>
+            <a:ext cx="8136904" cy="1162050"/>
           </a:xfrm>
         </p:spPr>
         <p:txBody>
@@ -9468,10 +9370,14 @@
           <a:lstStyle/>
           <a:p>
             <a:r>
-              <a:rPr lang="en-IN" sz="2900" dirty="0" smtClean="0"/>
-              <a:t>2.2. NUMBER OF PHONES IN EACH PRICE RANGE</a:t>
-            </a:r>
-            <a:endParaRPr lang="en-IN" sz="2900" dirty="0"/>
+              <a:rPr lang="en-IN" sz="4400" dirty="0" smtClean="0"/>
+              <a:t>NUMBER </a:t>
+            </a:r>
+            <a:r>
+              <a:rPr lang="en-IN" sz="4400" dirty="0" smtClean="0"/>
+              <a:t>OF PHONES IN EACH PRICE RANGE</a:t>
+            </a:r>
+            <a:endParaRPr lang="en-IN" sz="4400" dirty="0"/>
           </a:p>
         </p:txBody>
       </p:sp>
@@ -9490,40 +9396,36 @@
           <a:bodyPr/>
           <a:lstStyle/>
           <a:p>
+            <a:pPr marL="285750" indent="-285750">
+              <a:buFont typeface="Arial" pitchFamily="34" charset="0"/>
+              <a:buChar char="•"/>
+            </a:pPr>
             <a:r>
               <a:rPr lang="en-US" sz="1800" dirty="0"/>
-              <a:t>We count the number of phones in each price range, 0 to 3, and graph them to have an initial idea of how well distributed the data is. We use pandas function shape()  and the appropriate conditions to graph it with </a:t>
-            </a:r>
-            <a:r>
-              <a:rPr lang="en-US" sz="1800" dirty="0" err="1"/>
-              <a:t>matplotlib</a:t>
+              <a:t>We count the number of phones in each price range, 0 to 3, and graph them to have an initial idea of how well distributed the data is. </a:t>
+            </a:r>
+            <a:endParaRPr lang="en-US" sz="1800" dirty="0" smtClean="0"/>
+          </a:p>
+          <a:p>
+            <a:pPr marL="285750" indent="-285750">
+              <a:buFont typeface="Arial" pitchFamily="34" charset="0"/>
+              <a:buChar char="•"/>
+            </a:pPr>
+            <a:endParaRPr lang="en-US" sz="1800" dirty="0"/>
+          </a:p>
+          <a:p>
+            <a:pPr marL="285750" indent="-285750">
+              <a:buFont typeface="Arial" pitchFamily="34" charset="0"/>
+              <a:buChar char="•"/>
+            </a:pPr>
+            <a:r>
+              <a:rPr lang="en-US" sz="1800" dirty="0" smtClean="0"/>
+              <a:t>Each </a:t>
             </a:r>
             <a:r>
               <a:rPr lang="en-US" sz="1800" dirty="0"/>
-              <a:t> </a:t>
-            </a:r>
-            <a:r>
-              <a:rPr lang="en-US" sz="1800" dirty="0" err="1"/>
-              <a:t>barh</a:t>
-            </a:r>
-            <a:r>
-              <a:rPr lang="en-US" sz="1800" dirty="0"/>
-              <a:t>().</a:t>
-            </a:r>
-            <a:endParaRPr lang="en-IN" sz="1800" dirty="0"/>
-          </a:p>
-          <a:p>
-            <a:r>
-              <a:rPr lang="en-US" sz="1800" dirty="0"/>
-              <a:t>Each price range has 500 mobiles. The dataset is very evenly distributed. We do not any preprocessing, we proceed to analyzing the features</a:t>
-            </a:r>
-            <a:r>
-              <a:rPr lang="en-US" dirty="0"/>
-              <a:t>.</a:t>
-            </a:r>
-            <a:endParaRPr lang="en-IN" dirty="0"/>
-          </a:p>
-          <a:p>
+              <a:t>price range has 500 mobiles. The dataset is very evenly distributed. </a:t>
+            </a:r>
             <a:endParaRPr lang="en-IN" dirty="0"/>
           </a:p>
         </p:txBody>
